--- a/papers/Diabetes_Analysis_ppt_kor.pptx
+++ b/papers/Diabetes_Analysis_ppt_kor.pptx
@@ -1271,7 +1271,7 @@
           <a:p>
             <a:fld id="{6CA1509C-62E7-48B6-BDAE-ABF300F2A4A0}" type="datetimeFigureOut">
               <a:rPr kumimoji="1" lang="ja-JP" altLang="en-US" smtClean="0"/>
-              <a:t>2022/3/2</a:t>
+              <a:t>2022/3/4</a:t>
             </a:fld>
             <a:endParaRPr kumimoji="1" lang="ja-JP" altLang="en-US"/>
           </a:p>
@@ -4237,7 +4237,7 @@
           <a:p>
             <a:fld id="{F7EB2170-4EC9-4C39-9D42-B23625687F75}" type="datetime1">
               <a:rPr kumimoji="1" lang="ja-JP" altLang="en-US" smtClean="0"/>
-              <a:t>2022/3/2</a:t>
+              <a:t>2022/3/4</a:t>
             </a:fld>
             <a:endParaRPr kumimoji="1" lang="ja-JP" altLang="en-US"/>
           </a:p>
@@ -4439,7 +4439,7 @@
           <a:p>
             <a:fld id="{D63781A7-D20B-48CC-9332-D07DD064BED2}" type="datetime1">
               <a:rPr kumimoji="1" lang="ja-JP" altLang="en-US" smtClean="0"/>
-              <a:t>2022/3/2</a:t>
+              <a:t>2022/3/4</a:t>
             </a:fld>
             <a:endParaRPr kumimoji="1" lang="ja-JP" altLang="en-US"/>
           </a:p>
@@ -4651,7 +4651,7 @@
           <a:p>
             <a:fld id="{25166B21-4009-4454-8F6A-0C847C4170E5}" type="datetime1">
               <a:rPr kumimoji="1" lang="ja-JP" altLang="en-US" smtClean="0"/>
-              <a:t>2022/3/2</a:t>
+              <a:t>2022/3/4</a:t>
             </a:fld>
             <a:endParaRPr kumimoji="1" lang="ja-JP" altLang="en-US"/>
           </a:p>
@@ -4859,7 +4859,7 @@
           <a:p>
             <a:fld id="{F7EB2170-4EC9-4C39-9D42-B23625687F75}" type="datetime1">
               <a:rPr kumimoji="1" lang="ja-JP" altLang="en-US" smtClean="0"/>
-              <a:t>2022/3/2</a:t>
+              <a:t>2022/3/4</a:t>
             </a:fld>
             <a:endParaRPr kumimoji="1" lang="ja-JP" altLang="en-US"/>
           </a:p>
@@ -5089,7 +5089,7 @@
           <a:p>
             <a:fld id="{71EE189D-6420-476D-97F6-50FE18AF526A}" type="datetime1">
               <a:rPr kumimoji="1" lang="ja-JP" altLang="en-US" smtClean="0"/>
-              <a:t>2022/3/2</a:t>
+              <a:t>2022/3/4</a:t>
             </a:fld>
             <a:endParaRPr kumimoji="1" lang="ja-JP" altLang="en-US"/>
           </a:p>
@@ -5369,7 +5369,7 @@
           <a:p>
             <a:fld id="{5F73694D-C45B-40DB-A939-2D61D2B2B44E}" type="datetime1">
               <a:rPr kumimoji="1" lang="ja-JP" altLang="en-US" smtClean="0"/>
-              <a:t>2022/3/2</a:t>
+              <a:t>2022/3/4</a:t>
             </a:fld>
             <a:endParaRPr kumimoji="1" lang="ja-JP" altLang="en-US"/>
           </a:p>
@@ -5707,7 +5707,7 @@
           <a:p>
             <a:fld id="{E38486AC-6F89-4CB4-A29F-9FF659A5B34A}" type="datetime1">
               <a:rPr kumimoji="1" lang="ja-JP" altLang="en-US" smtClean="0"/>
-              <a:t>2022/3/2</a:t>
+              <a:t>2022/3/4</a:t>
             </a:fld>
             <a:endParaRPr kumimoji="1" lang="ja-JP" altLang="en-US"/>
           </a:p>
@@ -6183,7 +6183,7 @@
           <a:p>
             <a:fld id="{D36B2F46-A678-4F30-8A0F-BA3AD7536BEF}" type="datetime1">
               <a:rPr kumimoji="1" lang="ja-JP" altLang="en-US" smtClean="0"/>
-              <a:t>2022/3/2</a:t>
+              <a:t>2022/3/4</a:t>
             </a:fld>
             <a:endParaRPr kumimoji="1" lang="ja-JP" altLang="en-US"/>
           </a:p>
@@ -6324,7 +6324,7 @@
           <a:p>
             <a:fld id="{BC91AF57-BE39-4E04-B190-38A5D874C975}" type="datetime1">
               <a:rPr kumimoji="1" lang="ja-JP" altLang="en-US" smtClean="0"/>
-              <a:t>2022/3/2</a:t>
+              <a:t>2022/3/4</a:t>
             </a:fld>
             <a:endParaRPr kumimoji="1" lang="ja-JP" altLang="en-US"/>
           </a:p>
@@ -6437,7 +6437,7 @@
           <a:p>
             <a:fld id="{1409EFBA-1D38-4CAB-ACEF-8F218000295B}" type="datetime1">
               <a:rPr kumimoji="1" lang="ja-JP" altLang="en-US" smtClean="0"/>
-              <a:t>2022/3/2</a:t>
+              <a:t>2022/3/4</a:t>
             </a:fld>
             <a:endParaRPr kumimoji="1" lang="ja-JP" altLang="en-US"/>
           </a:p>
@@ -6780,7 +6780,7 @@
           <a:p>
             <a:fld id="{1ED946F1-B804-4078-A29D-9D6626C5F676}" type="datetime1">
               <a:rPr kumimoji="1" lang="ja-JP" altLang="en-US" smtClean="0"/>
-              <a:t>2022/3/2</a:t>
+              <a:t>2022/3/4</a:t>
             </a:fld>
             <a:endParaRPr kumimoji="1" lang="ja-JP" altLang="en-US"/>
           </a:p>
@@ -6994,7 +6994,7 @@
           <a:p>
             <a:fld id="{71EE189D-6420-476D-97F6-50FE18AF526A}" type="datetime1">
               <a:rPr kumimoji="1" lang="ja-JP" altLang="en-US" smtClean="0"/>
-              <a:t>2022/3/2</a:t>
+              <a:t>2022/3/4</a:t>
             </a:fld>
             <a:endParaRPr kumimoji="1" lang="ja-JP" altLang="en-US"/>
           </a:p>
@@ -7270,7 +7270,7 @@
           <a:p>
             <a:fld id="{26A14554-87CA-40FD-BAED-B9B18954B6A3}" type="datetime1">
               <a:rPr kumimoji="1" lang="ja-JP" altLang="en-US" smtClean="0"/>
-              <a:t>2022/3/2</a:t>
+              <a:t>2022/3/4</a:t>
             </a:fld>
             <a:endParaRPr kumimoji="1" lang="ja-JP" altLang="en-US"/>
           </a:p>
@@ -7500,7 +7500,7 @@
           <a:p>
             <a:fld id="{D63781A7-D20B-48CC-9332-D07DD064BED2}" type="datetime1">
               <a:rPr kumimoji="1" lang="ja-JP" altLang="en-US" smtClean="0"/>
-              <a:t>2022/3/2</a:t>
+              <a:t>2022/3/4</a:t>
             </a:fld>
             <a:endParaRPr kumimoji="1" lang="ja-JP" altLang="en-US"/>
           </a:p>
@@ -7745,7 +7745,7 @@
           <a:p>
             <a:fld id="{25166B21-4009-4454-8F6A-0C847C4170E5}" type="datetime1">
               <a:rPr kumimoji="1" lang="ja-JP" altLang="en-US" smtClean="0"/>
-              <a:t>2022/3/2</a:t>
+              <a:t>2022/3/4</a:t>
             </a:fld>
             <a:endParaRPr kumimoji="1" lang="ja-JP" altLang="en-US"/>
           </a:p>
@@ -8008,7 +8008,7 @@
           <a:p>
             <a:fld id="{5F73694D-C45B-40DB-A939-2D61D2B2B44E}" type="datetime1">
               <a:rPr kumimoji="1" lang="ja-JP" altLang="en-US" smtClean="0"/>
-              <a:t>2022/3/2</a:t>
+              <a:t>2022/3/4</a:t>
             </a:fld>
             <a:endParaRPr kumimoji="1" lang="ja-JP" altLang="en-US"/>
           </a:p>
@@ -8304,7 +8304,7 @@
           <a:p>
             <a:fld id="{E38486AC-6F89-4CB4-A29F-9FF659A5B34A}" type="datetime1">
               <a:rPr kumimoji="1" lang="ja-JP" altLang="en-US" smtClean="0"/>
-              <a:t>2022/3/2</a:t>
+              <a:t>2022/3/4</a:t>
             </a:fld>
             <a:endParaRPr kumimoji="1" lang="ja-JP" altLang="en-US"/>
           </a:p>
@@ -8715,7 +8715,7 @@
           <a:p>
             <a:fld id="{D36B2F46-A678-4F30-8A0F-BA3AD7536BEF}" type="datetime1">
               <a:rPr kumimoji="1" lang="ja-JP" altLang="en-US" smtClean="0"/>
-              <a:t>2022/3/2</a:t>
+              <a:t>2022/3/4</a:t>
             </a:fld>
             <a:endParaRPr kumimoji="1" lang="ja-JP" altLang="en-US"/>
           </a:p>
@@ -8833,7 +8833,7 @@
           <a:p>
             <a:fld id="{BC91AF57-BE39-4E04-B190-38A5D874C975}" type="datetime1">
               <a:rPr kumimoji="1" lang="ja-JP" altLang="en-US" smtClean="0"/>
-              <a:t>2022/3/2</a:t>
+              <a:t>2022/3/4</a:t>
             </a:fld>
             <a:endParaRPr kumimoji="1" lang="ja-JP" altLang="en-US"/>
           </a:p>
@@ -8951,7 +8951,7 @@
           <a:p>
             <a:fld id="{1409EFBA-1D38-4CAB-ACEF-8F218000295B}" type="datetime1">
               <a:rPr kumimoji="1" lang="ja-JP" altLang="en-US" smtClean="0"/>
-              <a:t>2022/3/2</a:t>
+              <a:t>2022/3/4</a:t>
             </a:fld>
             <a:endParaRPr kumimoji="1" lang="ja-JP" altLang="en-US"/>
           </a:p>
@@ -9267,7 +9267,7 @@
           <a:p>
             <a:fld id="{1ED946F1-B804-4078-A29D-9D6626C5F676}" type="datetime1">
               <a:rPr kumimoji="1" lang="ja-JP" altLang="en-US" smtClean="0"/>
-              <a:t>2022/3/2</a:t>
+              <a:t>2022/3/4</a:t>
             </a:fld>
             <a:endParaRPr kumimoji="1" lang="ja-JP" altLang="en-US"/>
           </a:p>
@@ -9531,7 +9531,7 @@
           <a:p>
             <a:fld id="{26A14554-87CA-40FD-BAED-B9B18954B6A3}" type="datetime1">
               <a:rPr kumimoji="1" lang="ja-JP" altLang="en-US" smtClean="0"/>
-              <a:t>2022/3/2</a:t>
+              <a:t>2022/3/4</a:t>
             </a:fld>
             <a:endParaRPr kumimoji="1" lang="ja-JP" altLang="en-US"/>
           </a:p>
@@ -9777,7 +9777,7 @@
           <a:p>
             <a:fld id="{9A262229-71F2-4247-8F53-16F82A42DC15}" type="datetime1">
               <a:rPr kumimoji="1" lang="ja-JP" altLang="en-US" smtClean="0"/>
-              <a:t>2022/3/2</a:t>
+              <a:t>2022/3/4</a:t>
             </a:fld>
             <a:endParaRPr kumimoji="1" lang="ja-JP" altLang="en-US"/>
           </a:p>
@@ -10355,7 +10355,7 @@
           <a:p>
             <a:fld id="{9A262229-71F2-4247-8F53-16F82A42DC15}" type="datetime1">
               <a:rPr kumimoji="1" lang="ja-JP" altLang="en-US" smtClean="0"/>
-              <a:t>2022/3/2</a:t>
+              <a:t>2022/3/4</a:t>
             </a:fld>
             <a:endParaRPr kumimoji="1" lang="ja-JP" altLang="en-US"/>
           </a:p>
@@ -12111,7 +12111,7 @@
             </a:pPr>
             <a:r>
               <a:rPr kumimoji="1" lang="ko-KR" altLang="en-US" sz="2000" dirty="0"/>
-              <a:t>당뇨병 환자들은 나이가 들수록 살이 더 찌기가 쉽고 유전력이 강함</a:t>
+              <a:t>정상인과 당뇨병 환자에 대해 요인들이 어떻게 군집을 이루는지를 확인</a:t>
             </a:r>
             <a:endParaRPr kumimoji="1" lang="ja-JP" altLang="en-US" sz="2000" dirty="0"/>
           </a:p>
@@ -12225,7 +12225,7 @@
         </p:nvSpPr>
         <p:spPr>
           <a:xfrm>
-            <a:off x="6270495" y="5927195"/>
+            <a:off x="5295943" y="5965592"/>
             <a:ext cx="2373732" cy="369332"/>
           </a:xfrm>
           <a:prstGeom prst="rect">
@@ -13220,7 +13220,7 @@
         </p:nvSpPr>
         <p:spPr>
           <a:xfrm>
-            <a:off x="0" y="23802"/>
+            <a:off x="0" y="-386084"/>
             <a:ext cx="9875520" cy="1356360"/>
           </a:xfrm>
         </p:spPr>
@@ -13263,7 +13263,7 @@
         </p:nvSpPr>
         <p:spPr>
           <a:xfrm>
-            <a:off x="0" y="1272108"/>
+            <a:off x="121299" y="674949"/>
             <a:ext cx="10585579" cy="4038600"/>
           </a:xfrm>
         </p:spPr>
@@ -13292,11 +13292,25 @@
             </a:r>
             <a:r>
               <a:rPr kumimoji="1" lang="en-US" altLang="ko-KR" dirty="0"/>
-              <a:t>, Glucose, BMI, Age</a:t>
+              <a:t>, Glucose, BMI, Diabetes Pedigree Function, Age</a:t>
             </a:r>
             <a:r>
               <a:rPr lang="ko-KR" altLang="en-US" dirty="0"/>
-              <a:t>의 중요도가 높게 측정됨</a:t>
+              <a:t>의 </a:t>
+            </a:r>
+            <a:endParaRPr lang="en-US" altLang="ko-KR" dirty="0"/>
+          </a:p>
+          <a:p>
+            <a:pPr marL="0" indent="0">
+              <a:buNone/>
+            </a:pPr>
+            <a:r>
+              <a:rPr lang="en-US" altLang="ko-KR" dirty="0"/>
+              <a:t>   </a:t>
+            </a:r>
+            <a:r>
+              <a:rPr lang="ko-KR" altLang="en-US" dirty="0"/>
+              <a:t>중요도가 높게 측정됨</a:t>
             </a:r>
             <a:endParaRPr kumimoji="1" lang="ja-JP" altLang="en-US" dirty="0"/>
           </a:p>
@@ -13353,7 +13367,7 @@
         </p:nvSpPr>
         <p:spPr>
           <a:xfrm>
-            <a:off x="2161995" y="6352144"/>
+            <a:off x="1275587" y="5774582"/>
             <a:ext cx="5324655" cy="369332"/>
           </a:xfrm>
           <a:prstGeom prst="rect">
@@ -13382,7 +13396,7 @@
             </a:r>
             <a:r>
               <a:rPr kumimoji="1" lang="ko-KR" altLang="en-US" dirty="0"/>
-              <a:t>결정 트리에 따른 </a:t>
+              <a:t>결정 트리를 이용한 </a:t>
             </a:r>
             <a:r>
               <a:rPr kumimoji="1" lang="en-US" altLang="ko-KR" dirty="0"/>
@@ -13407,13 +13421,13 @@
           <p:nvPr>
             <p:extLst>
               <p:ext uri="{D42A27DB-BD31-4B8C-83A1-F6EECF244321}">
-                <p14:modId xmlns:p14="http://schemas.microsoft.com/office/powerpoint/2010/main" val="769863805"/>
+                <p14:modId xmlns:p14="http://schemas.microsoft.com/office/powerpoint/2010/main" val="4002477901"/>
               </p:ext>
             </p:extLst>
           </p:nvPr>
         </p:nvGraphicFramePr>
         <p:xfrm>
-          <a:off x="1193800" y="2421598"/>
+          <a:off x="1193800" y="2031309"/>
           <a:ext cx="6096000" cy="3606800"/>
         </p:xfrm>
         <a:graphic>
@@ -17922,15 +17936,7 @@
             <a:pPr lvl="1"/>
             <a:r>
               <a:rPr lang="ko-KR" altLang="en-US" dirty="0"/>
-              <a:t>두 집단의 평균이 </a:t>
-            </a:r>
-            <a:r>
-              <a:rPr lang="ko-KR" altLang="en-US" dirty="0" err="1"/>
-              <a:t>유의미</a:t>
-            </a:r>
-            <a:r>
-              <a:rPr lang="ko-KR" altLang="en-US" dirty="0"/>
-              <a:t> 한지 파악</a:t>
+              <a:t>두 집단의 평균이 유 의미 한지 파악</a:t>
             </a:r>
             <a:endParaRPr lang="en-US" altLang="ko-KR" dirty="0"/>
           </a:p>
@@ -17966,7 +17972,7 @@
             </a:r>
             <a:r>
               <a:rPr lang="ko-KR" altLang="en-US" dirty="0"/>
-              <a:t>는 유의미하지 않다</a:t>
+              <a:t>는 유 의미하지 않다</a:t>
             </a:r>
             <a:endParaRPr lang="en-US" altLang="ko-KR" dirty="0"/>
           </a:p>
@@ -18639,7 +18645,27 @@
           </a:bodyPr>
           <a:lstStyle/>
           <a:p>
-            <a:pPr lvl="1"/>
+            <a:pPr lvl="1">
+              <a:lnSpc>
+                <a:spcPct val="150000"/>
+              </a:lnSpc>
+            </a:pPr>
+            <a:r>
+              <a:rPr kumimoji="1" lang="ko-KR" altLang="en-US" sz="2000" dirty="0"/>
+              <a:t>상관분석을 통해 </a:t>
+            </a:r>
+            <a:r>
+              <a:rPr lang="ko-KR" altLang="en-US" sz="2000" dirty="0"/>
+              <a:t>두 요인이 서로 상관이 있는지에 대해서 검정</a:t>
+            </a:r>
+            <a:endParaRPr lang="en-US" altLang="ko-KR" sz="2000" dirty="0"/>
+          </a:p>
+          <a:p>
+            <a:pPr lvl="1">
+              <a:lnSpc>
+                <a:spcPct val="150000"/>
+              </a:lnSpc>
+            </a:pPr>
             <a:endParaRPr lang="en-US" altLang="ko-KR" sz="2000" dirty="0"/>
           </a:p>
           <a:p>
@@ -18711,8 +18737,8 @@
         </p:blipFill>
         <p:spPr>
           <a:xfrm>
-            <a:off x="3943350" y="1177607"/>
-            <a:ext cx="5117824" cy="5222806"/>
+            <a:off x="3943350" y="555431"/>
+            <a:ext cx="5117824" cy="5844982"/>
           </a:xfrm>
           <a:prstGeom prst="rect">
             <a:avLst/>
@@ -18760,50 +18786,6 @@
               <a:t> 당뇨병환자에 대한 상관분석 결과</a:t>
             </a:r>
             <a:endParaRPr kumimoji="1" lang="ja-JP" altLang="en-US" sz="1200" dirty="0"/>
-          </a:p>
-        </p:txBody>
-      </p:sp>
-      <p:sp>
-        <p:nvSpPr>
-          <p:cNvPr id="7" name="TextBox 6">
-            <a:extLst>
-              <a:ext uri="{FF2B5EF4-FFF2-40B4-BE49-F238E27FC236}">
-                <a16:creationId xmlns:a16="http://schemas.microsoft.com/office/drawing/2014/main" id="{5370BFAF-439C-45AA-9EA3-A5C553469522}"/>
-              </a:ext>
-            </a:extLst>
-          </p:cNvPr>
-          <p:cNvSpPr txBox="1"/>
-          <p:nvPr/>
-        </p:nvSpPr>
-        <p:spPr>
-          <a:xfrm>
-            <a:off x="130628" y="675557"/>
-            <a:ext cx="6913984" cy="369332"/>
-          </a:xfrm>
-          <a:prstGeom prst="rect">
-            <a:avLst/>
-          </a:prstGeom>
-          <a:noFill/>
-        </p:spPr>
-        <p:txBody>
-          <a:bodyPr wrap="square" rtlCol="0">
-            <a:spAutoFit/>
-          </a:bodyPr>
-          <a:lstStyle/>
-          <a:p>
-            <a:pPr marL="285750" indent="-285750">
-              <a:buFont typeface="Wingdings" panose="05000000000000000000" pitchFamily="2" charset="2"/>
-              <a:buChar char="Ø"/>
-            </a:pPr>
-            <a:r>
-              <a:rPr kumimoji="1" lang="ko-KR" altLang="en-US" dirty="0"/>
-              <a:t>상관분석을 통해 </a:t>
-            </a:r>
-            <a:r>
-              <a:rPr lang="ko-KR" altLang="en-US" dirty="0"/>
-              <a:t>두 요인이 서로 상관이 있는지에 대해서 검정</a:t>
-            </a:r>
-            <a:endParaRPr lang="en-US" altLang="ko-KR" dirty="0"/>
           </a:p>
         </p:txBody>
       </p:sp>
@@ -18976,7 +18958,7 @@
             </a:pPr>
             <a:r>
               <a:rPr lang="ko-KR" altLang="en-US" dirty="0"/>
-              <a:t>당뇨병 환자와 정상인 사이의 요인간의 의존 관계를 파악하기 위해 시각화 함</a:t>
+              <a:t>당뇨병 환자와 정상인 사이의 요인간의 상관 관계를 파악하기 위해 시각화 함</a:t>
             </a:r>
             <a:endParaRPr lang="en-US" altLang="ko-KR" dirty="0"/>
           </a:p>
@@ -18992,7 +18974,7 @@
             </a:r>
             <a:r>
               <a:rPr lang="ko-KR" altLang="en-US" dirty="0"/>
-              <a:t> 정규 분포의 복잡한 구조인 파라미터를 그래프 구조로서 변형시켜 이상감지를 추출</a:t>
+              <a:t> 정규 분포의 복잡한 구조인 파라미터를 그래프 구조로서 변형시켜 이상감지를 추출하기 쉬움</a:t>
             </a:r>
             <a:endParaRPr lang="en-US" altLang="ko-KR" dirty="0"/>
           </a:p>
@@ -19004,7 +18986,7 @@
             </a:pPr>
             <a:r>
               <a:rPr lang="ko-KR" altLang="en-US" dirty="0"/>
-              <a:t>요인간의 상관 관계를  당뇨병 환자와 정상인간의 비교가 가능</a:t>
+              <a:t>두 요인간의 상관 관계를  당뇨병 환자와 정상인간의 비교가 가능</a:t>
             </a:r>
             <a:endParaRPr lang="en-US" altLang="ko-KR" dirty="0"/>
           </a:p>
@@ -19093,7 +19075,19 @@
               <a:rPr lang="ko-KR" altLang="en-US" sz="3000" b="1" dirty="0" err="1">
                 <a:latin typeface="+mn-lt"/>
               </a:rPr>
-              <a:t>그래피컬라소</a:t>
+              <a:t>그래피컬</a:t>
+            </a:r>
+            <a:r>
+              <a:rPr lang="ko-KR" altLang="en-US" sz="3000" b="1" dirty="0">
+                <a:latin typeface="+mn-lt"/>
+              </a:rPr>
+              <a:t> </a:t>
+            </a:r>
+            <a:r>
+              <a:rPr lang="ko-KR" altLang="en-US" sz="3000" b="1" dirty="0" err="1">
+                <a:latin typeface="+mn-lt"/>
+              </a:rPr>
+              <a:t>라소</a:t>
             </a:r>
             <a:endParaRPr kumimoji="1" lang="ja-JP" altLang="en-US" sz="3000" b="1" dirty="0">
               <a:latin typeface="+mn-lt"/>

--- a/papers/Diabetes_Analysis_ppt_kor.pptx
+++ b/papers/Diabetes_Analysis_ppt_kor.pptx
@@ -1271,7 +1271,7 @@
           <a:p>
             <a:fld id="{6CA1509C-62E7-48B6-BDAE-ABF300F2A4A0}" type="datetimeFigureOut">
               <a:rPr kumimoji="1" lang="ja-JP" altLang="en-US" smtClean="0"/>
-              <a:t>2022/3/4</a:t>
+              <a:t>2022/3/8</a:t>
             </a:fld>
             <a:endParaRPr kumimoji="1" lang="ja-JP" altLang="en-US"/>
           </a:p>
@@ -4237,7 +4237,7 @@
           <a:p>
             <a:fld id="{F7EB2170-4EC9-4C39-9D42-B23625687F75}" type="datetime1">
               <a:rPr kumimoji="1" lang="ja-JP" altLang="en-US" smtClean="0"/>
-              <a:t>2022/3/4</a:t>
+              <a:t>2022/3/8</a:t>
             </a:fld>
             <a:endParaRPr kumimoji="1" lang="ja-JP" altLang="en-US"/>
           </a:p>
@@ -4439,7 +4439,7 @@
           <a:p>
             <a:fld id="{D63781A7-D20B-48CC-9332-D07DD064BED2}" type="datetime1">
               <a:rPr kumimoji="1" lang="ja-JP" altLang="en-US" smtClean="0"/>
-              <a:t>2022/3/4</a:t>
+              <a:t>2022/3/8</a:t>
             </a:fld>
             <a:endParaRPr kumimoji="1" lang="ja-JP" altLang="en-US"/>
           </a:p>
@@ -4651,7 +4651,7 @@
           <a:p>
             <a:fld id="{25166B21-4009-4454-8F6A-0C847C4170E5}" type="datetime1">
               <a:rPr kumimoji="1" lang="ja-JP" altLang="en-US" smtClean="0"/>
-              <a:t>2022/3/4</a:t>
+              <a:t>2022/3/8</a:t>
             </a:fld>
             <a:endParaRPr kumimoji="1" lang="ja-JP" altLang="en-US"/>
           </a:p>
@@ -4859,7 +4859,7 @@
           <a:p>
             <a:fld id="{F7EB2170-4EC9-4C39-9D42-B23625687F75}" type="datetime1">
               <a:rPr kumimoji="1" lang="ja-JP" altLang="en-US" smtClean="0"/>
-              <a:t>2022/3/4</a:t>
+              <a:t>2022/3/8</a:t>
             </a:fld>
             <a:endParaRPr kumimoji="1" lang="ja-JP" altLang="en-US"/>
           </a:p>
@@ -5089,7 +5089,7 @@
           <a:p>
             <a:fld id="{71EE189D-6420-476D-97F6-50FE18AF526A}" type="datetime1">
               <a:rPr kumimoji="1" lang="ja-JP" altLang="en-US" smtClean="0"/>
-              <a:t>2022/3/4</a:t>
+              <a:t>2022/3/8</a:t>
             </a:fld>
             <a:endParaRPr kumimoji="1" lang="ja-JP" altLang="en-US"/>
           </a:p>
@@ -5369,7 +5369,7 @@
           <a:p>
             <a:fld id="{5F73694D-C45B-40DB-A939-2D61D2B2B44E}" type="datetime1">
               <a:rPr kumimoji="1" lang="ja-JP" altLang="en-US" smtClean="0"/>
-              <a:t>2022/3/4</a:t>
+              <a:t>2022/3/8</a:t>
             </a:fld>
             <a:endParaRPr kumimoji="1" lang="ja-JP" altLang="en-US"/>
           </a:p>
@@ -5707,7 +5707,7 @@
           <a:p>
             <a:fld id="{E38486AC-6F89-4CB4-A29F-9FF659A5B34A}" type="datetime1">
               <a:rPr kumimoji="1" lang="ja-JP" altLang="en-US" smtClean="0"/>
-              <a:t>2022/3/4</a:t>
+              <a:t>2022/3/8</a:t>
             </a:fld>
             <a:endParaRPr kumimoji="1" lang="ja-JP" altLang="en-US"/>
           </a:p>
@@ -6183,7 +6183,7 @@
           <a:p>
             <a:fld id="{D36B2F46-A678-4F30-8A0F-BA3AD7536BEF}" type="datetime1">
               <a:rPr kumimoji="1" lang="ja-JP" altLang="en-US" smtClean="0"/>
-              <a:t>2022/3/4</a:t>
+              <a:t>2022/3/8</a:t>
             </a:fld>
             <a:endParaRPr kumimoji="1" lang="ja-JP" altLang="en-US"/>
           </a:p>
@@ -6324,7 +6324,7 @@
           <a:p>
             <a:fld id="{BC91AF57-BE39-4E04-B190-38A5D874C975}" type="datetime1">
               <a:rPr kumimoji="1" lang="ja-JP" altLang="en-US" smtClean="0"/>
-              <a:t>2022/3/4</a:t>
+              <a:t>2022/3/8</a:t>
             </a:fld>
             <a:endParaRPr kumimoji="1" lang="ja-JP" altLang="en-US"/>
           </a:p>
@@ -6437,7 +6437,7 @@
           <a:p>
             <a:fld id="{1409EFBA-1D38-4CAB-ACEF-8F218000295B}" type="datetime1">
               <a:rPr kumimoji="1" lang="ja-JP" altLang="en-US" smtClean="0"/>
-              <a:t>2022/3/4</a:t>
+              <a:t>2022/3/8</a:t>
             </a:fld>
             <a:endParaRPr kumimoji="1" lang="ja-JP" altLang="en-US"/>
           </a:p>
@@ -6780,7 +6780,7 @@
           <a:p>
             <a:fld id="{1ED946F1-B804-4078-A29D-9D6626C5F676}" type="datetime1">
               <a:rPr kumimoji="1" lang="ja-JP" altLang="en-US" smtClean="0"/>
-              <a:t>2022/3/4</a:t>
+              <a:t>2022/3/8</a:t>
             </a:fld>
             <a:endParaRPr kumimoji="1" lang="ja-JP" altLang="en-US"/>
           </a:p>
@@ -6994,7 +6994,7 @@
           <a:p>
             <a:fld id="{71EE189D-6420-476D-97F6-50FE18AF526A}" type="datetime1">
               <a:rPr kumimoji="1" lang="ja-JP" altLang="en-US" smtClean="0"/>
-              <a:t>2022/3/4</a:t>
+              <a:t>2022/3/8</a:t>
             </a:fld>
             <a:endParaRPr kumimoji="1" lang="ja-JP" altLang="en-US"/>
           </a:p>
@@ -7270,7 +7270,7 @@
           <a:p>
             <a:fld id="{26A14554-87CA-40FD-BAED-B9B18954B6A3}" type="datetime1">
               <a:rPr kumimoji="1" lang="ja-JP" altLang="en-US" smtClean="0"/>
-              <a:t>2022/3/4</a:t>
+              <a:t>2022/3/8</a:t>
             </a:fld>
             <a:endParaRPr kumimoji="1" lang="ja-JP" altLang="en-US"/>
           </a:p>
@@ -7500,7 +7500,7 @@
           <a:p>
             <a:fld id="{D63781A7-D20B-48CC-9332-D07DD064BED2}" type="datetime1">
               <a:rPr kumimoji="1" lang="ja-JP" altLang="en-US" smtClean="0"/>
-              <a:t>2022/3/4</a:t>
+              <a:t>2022/3/8</a:t>
             </a:fld>
             <a:endParaRPr kumimoji="1" lang="ja-JP" altLang="en-US"/>
           </a:p>
@@ -7745,7 +7745,7 @@
           <a:p>
             <a:fld id="{25166B21-4009-4454-8F6A-0C847C4170E5}" type="datetime1">
               <a:rPr kumimoji="1" lang="ja-JP" altLang="en-US" smtClean="0"/>
-              <a:t>2022/3/4</a:t>
+              <a:t>2022/3/8</a:t>
             </a:fld>
             <a:endParaRPr kumimoji="1" lang="ja-JP" altLang="en-US"/>
           </a:p>
@@ -8008,7 +8008,7 @@
           <a:p>
             <a:fld id="{5F73694D-C45B-40DB-A939-2D61D2B2B44E}" type="datetime1">
               <a:rPr kumimoji="1" lang="ja-JP" altLang="en-US" smtClean="0"/>
-              <a:t>2022/3/4</a:t>
+              <a:t>2022/3/8</a:t>
             </a:fld>
             <a:endParaRPr kumimoji="1" lang="ja-JP" altLang="en-US"/>
           </a:p>
@@ -8304,7 +8304,7 @@
           <a:p>
             <a:fld id="{E38486AC-6F89-4CB4-A29F-9FF659A5B34A}" type="datetime1">
               <a:rPr kumimoji="1" lang="ja-JP" altLang="en-US" smtClean="0"/>
-              <a:t>2022/3/4</a:t>
+              <a:t>2022/3/8</a:t>
             </a:fld>
             <a:endParaRPr kumimoji="1" lang="ja-JP" altLang="en-US"/>
           </a:p>
@@ -8715,7 +8715,7 @@
           <a:p>
             <a:fld id="{D36B2F46-A678-4F30-8A0F-BA3AD7536BEF}" type="datetime1">
               <a:rPr kumimoji="1" lang="ja-JP" altLang="en-US" smtClean="0"/>
-              <a:t>2022/3/4</a:t>
+              <a:t>2022/3/8</a:t>
             </a:fld>
             <a:endParaRPr kumimoji="1" lang="ja-JP" altLang="en-US"/>
           </a:p>
@@ -8833,7 +8833,7 @@
           <a:p>
             <a:fld id="{BC91AF57-BE39-4E04-B190-38A5D874C975}" type="datetime1">
               <a:rPr kumimoji="1" lang="ja-JP" altLang="en-US" smtClean="0"/>
-              <a:t>2022/3/4</a:t>
+              <a:t>2022/3/8</a:t>
             </a:fld>
             <a:endParaRPr kumimoji="1" lang="ja-JP" altLang="en-US"/>
           </a:p>
@@ -8951,7 +8951,7 @@
           <a:p>
             <a:fld id="{1409EFBA-1D38-4CAB-ACEF-8F218000295B}" type="datetime1">
               <a:rPr kumimoji="1" lang="ja-JP" altLang="en-US" smtClean="0"/>
-              <a:t>2022/3/4</a:t>
+              <a:t>2022/3/8</a:t>
             </a:fld>
             <a:endParaRPr kumimoji="1" lang="ja-JP" altLang="en-US"/>
           </a:p>
@@ -9267,7 +9267,7 @@
           <a:p>
             <a:fld id="{1ED946F1-B804-4078-A29D-9D6626C5F676}" type="datetime1">
               <a:rPr kumimoji="1" lang="ja-JP" altLang="en-US" smtClean="0"/>
-              <a:t>2022/3/4</a:t>
+              <a:t>2022/3/8</a:t>
             </a:fld>
             <a:endParaRPr kumimoji="1" lang="ja-JP" altLang="en-US"/>
           </a:p>
@@ -9531,7 +9531,7 @@
           <a:p>
             <a:fld id="{26A14554-87CA-40FD-BAED-B9B18954B6A3}" type="datetime1">
               <a:rPr kumimoji="1" lang="ja-JP" altLang="en-US" smtClean="0"/>
-              <a:t>2022/3/4</a:t>
+              <a:t>2022/3/8</a:t>
             </a:fld>
             <a:endParaRPr kumimoji="1" lang="ja-JP" altLang="en-US"/>
           </a:p>
@@ -9777,7 +9777,7 @@
           <a:p>
             <a:fld id="{9A262229-71F2-4247-8F53-16F82A42DC15}" type="datetime1">
               <a:rPr kumimoji="1" lang="ja-JP" altLang="en-US" smtClean="0"/>
-              <a:t>2022/3/4</a:t>
+              <a:t>2022/3/8</a:t>
             </a:fld>
             <a:endParaRPr kumimoji="1" lang="ja-JP" altLang="en-US"/>
           </a:p>
@@ -10355,7 +10355,7 @@
           <a:p>
             <a:fld id="{9A262229-71F2-4247-8F53-16F82A42DC15}" type="datetime1">
               <a:rPr kumimoji="1" lang="ja-JP" altLang="en-US" smtClean="0"/>
-              <a:t>2022/3/4</a:t>
+              <a:t>2022/3/8</a:t>
             </a:fld>
             <a:endParaRPr kumimoji="1" lang="ja-JP" altLang="en-US"/>
           </a:p>
@@ -10919,7 +10919,7 @@
         </p:nvSpPr>
         <p:spPr>
           <a:xfrm>
-            <a:off x="-1537839" y="4667252"/>
+            <a:off x="1143000" y="4713905"/>
             <a:ext cx="6858000" cy="1655762"/>
           </a:xfrm>
         </p:spPr>
@@ -11002,7 +11002,7 @@
           <a:p>
             <a:r>
               <a:rPr kumimoji="1" lang="ko-KR" altLang="en-US" sz="4000" b="1" dirty="0"/>
-              <a:t>요인분석</a:t>
+              <a:t>요인 분석</a:t>
             </a:r>
             <a:endParaRPr kumimoji="1" lang="ja-JP" altLang="en-US" sz="4000" b="1" dirty="0"/>
           </a:p>
@@ -11065,7 +11065,7 @@
         <p:spPr>
           <a:xfrm>
             <a:off x="119585" y="718046"/>
-            <a:ext cx="7894536" cy="461665"/>
+            <a:ext cx="7894536" cy="400110"/>
           </a:xfrm>
           <a:prstGeom prst="rect">
             <a:avLst/>
@@ -11078,15 +11078,15 @@
           </a:bodyPr>
           <a:lstStyle/>
           <a:p>
-            <a:pPr marL="342900" indent="-342900">
-              <a:buFont typeface="Wingdings" panose="05000000000000000000" pitchFamily="2" charset="2"/>
-              <a:buChar char="Ø"/>
-            </a:pPr>
-            <a:r>
-              <a:rPr kumimoji="1" lang="ko-KR" altLang="en-US" sz="2400" dirty="0"/>
+            <a:r>
+              <a:rPr kumimoji="1" lang="en-US" altLang="ko-KR" sz="2000" dirty="0"/>
+              <a:t>   </a:t>
+            </a:r>
+            <a:r>
+              <a:rPr kumimoji="1" lang="ko-KR" altLang="en-US" sz="2000" dirty="0"/>
               <a:t>요인 추출방법으로 주성분 분석을 활용</a:t>
             </a:r>
-            <a:endParaRPr kumimoji="1" lang="ja-JP" altLang="en-US" sz="2400" dirty="0"/>
+            <a:endParaRPr kumimoji="1" lang="ja-JP" altLang="en-US" sz="2000" dirty="0"/>
           </a:p>
         </p:txBody>
       </p:sp>
@@ -11104,8 +11104,8 @@
         </p:nvSpPr>
         <p:spPr>
           <a:xfrm>
-            <a:off x="5198259" y="6266498"/>
-            <a:ext cx="5631724" cy="276999"/>
+            <a:off x="5524830" y="6239438"/>
+            <a:ext cx="5631724" cy="307777"/>
           </a:xfrm>
           <a:prstGeom prst="rect">
             <a:avLst/>
@@ -11119,22 +11119,22 @@
           <a:lstStyle/>
           <a:p>
             <a:r>
-              <a:rPr kumimoji="1" lang="ko-KR" altLang="en-US" sz="1200" dirty="0"/>
-              <a:t>표 </a:t>
-            </a:r>
-            <a:r>
-              <a:rPr kumimoji="1" lang="en-US" altLang="ja-JP" sz="1200" dirty="0"/>
-              <a:t>1</a:t>
-            </a:r>
-            <a:r>
-              <a:rPr kumimoji="1" lang="ja-JP" altLang="en-US" sz="1200" dirty="0"/>
+              <a:rPr kumimoji="1" lang="ko-KR" altLang="en-US" sz="1400" dirty="0"/>
+              <a:t>그림 </a:t>
+            </a:r>
+            <a:r>
+              <a:rPr kumimoji="1" lang="en-US" altLang="ko-KR" sz="1400" dirty="0"/>
+              <a:t>4.</a:t>
+            </a:r>
+            <a:r>
+              <a:rPr kumimoji="1" lang="ja-JP" altLang="en-US" sz="1400" dirty="0"/>
               <a:t>　</a:t>
             </a:r>
             <a:r>
-              <a:rPr kumimoji="1" lang="ko-KR" altLang="en-US" sz="1200" dirty="0"/>
-              <a:t>정상인과 당뇨병 환자의 요인분석에 따른 </a:t>
-            </a:r>
-            <a:endParaRPr kumimoji="1" lang="ja-JP" altLang="en-US" sz="1200" dirty="0"/>
+              <a:rPr kumimoji="1" lang="ko-KR" altLang="en-US" sz="1400" dirty="0"/>
+              <a:t>당뇨병 환자에 대한 요인 분석 </a:t>
+            </a:r>
+            <a:endParaRPr kumimoji="1" lang="ja-JP" altLang="en-US" sz="1400" dirty="0"/>
           </a:p>
         </p:txBody>
       </p:sp>
@@ -11182,8 +11182,8 @@
         </p:nvSpPr>
         <p:spPr>
           <a:xfrm>
-            <a:off x="83909" y="1756523"/>
-            <a:ext cx="4002833" cy="4370427"/>
+            <a:off x="119585" y="1288396"/>
+            <a:ext cx="4002833" cy="4216539"/>
           </a:xfrm>
           <a:prstGeom prst="rect">
             <a:avLst/>
@@ -11201,16 +11201,6 @@
               <a:buChar char="l"/>
             </a:pPr>
             <a:r>
-              <a:rPr lang="ko-KR" altLang="en-US" sz="2000" b="0" i="0" dirty="0" err="1">
-                <a:solidFill>
-                  <a:srgbClr val="000000"/>
-                </a:solidFill>
-                <a:effectLst/>
-                <a:latin typeface="Helvetica Neue"/>
-              </a:rPr>
-              <a:t>히트맵에서</a:t>
-            </a:r>
-            <a:r>
               <a:rPr lang="ko-KR" altLang="en-US" sz="2000" b="0" i="0" dirty="0">
                 <a:solidFill>
                   <a:srgbClr val="000000"/>
@@ -11218,7 +11208,7 @@
                 <a:effectLst/>
                 <a:latin typeface="Helvetica Neue"/>
               </a:rPr>
-              <a:t> 제</a:t>
+              <a:t>제</a:t>
             </a:r>
             <a:r>
               <a:rPr lang="en-US" altLang="ko-KR" sz="2000" b="0" i="0" dirty="0">
@@ -11241,6 +11231,15 @@
               <a:t>성분 </a:t>
             </a:r>
             <a:r>
+              <a:rPr lang="en-US" altLang="ko-KR" sz="2000" dirty="0">
+                <a:solidFill>
+                  <a:srgbClr val="000000"/>
+                </a:solidFill>
+                <a:latin typeface="Helvetica Neue"/>
+              </a:rPr>
+              <a:t>: S</a:t>
+            </a:r>
+            <a:r>
               <a:rPr lang="en-US" altLang="ko-KR" sz="2000" b="0" i="0" dirty="0">
                 <a:solidFill>
                   <a:srgbClr val="000000"/>
@@ -11248,17 +11247,38 @@
                 <a:effectLst/>
                 <a:latin typeface="Helvetica Neue"/>
               </a:rPr>
-              <a:t>skin thickness, BMI, </a:t>
-            </a:r>
-            <a:r>
-              <a:rPr lang="en-US" altLang="ko-KR" sz="2000" b="0" i="0" dirty="0" err="1">
+              <a:t>kin </a:t>
+            </a:r>
+            <a:r>
+              <a:rPr lang="en-US" altLang="ko-KR" sz="2000" dirty="0">
+                <a:solidFill>
+                  <a:srgbClr val="000000"/>
+                </a:solidFill>
+                <a:latin typeface="Helvetica Neue"/>
+              </a:rPr>
+              <a:t>T</a:t>
+            </a:r>
+            <a:r>
+              <a:rPr lang="en-US" altLang="ko-KR" sz="2000" b="0" i="0" dirty="0">
                 <a:solidFill>
                   <a:srgbClr val="000000"/>
                 </a:solidFill>
                 <a:effectLst/>
                 <a:latin typeface="Helvetica Neue"/>
               </a:rPr>
-              <a:t>DiabetesPedigreeFunction</a:t>
+              <a:t>hickness, BMI, Diabetes Pedigree Function</a:t>
+            </a:r>
+          </a:p>
+          <a:p>
+            <a:pPr algn="l"/>
+            <a:r>
+              <a:rPr lang="en-US" altLang="ko-KR" sz="2000" dirty="0">
+                <a:solidFill>
+                  <a:srgbClr val="000000"/>
+                </a:solidFill>
+                <a:latin typeface="Helvetica Neue"/>
+              </a:rPr>
+              <a:t> </a:t>
             </a:r>
             <a:br>
               <a:rPr lang="en-US" altLang="ko-KR" sz="2000" b="0" i="0" dirty="0">
@@ -11270,6 +11290,16 @@
               </a:rPr>
             </a:br>
             <a:r>
+              <a:rPr lang="en-US" altLang="ko-KR" sz="2000" b="0" i="0" dirty="0">
+                <a:solidFill>
+                  <a:srgbClr val="000000"/>
+                </a:solidFill>
+                <a:effectLst/>
+                <a:latin typeface="Helvetica Neue"/>
+              </a:rPr>
+              <a:t>    </a:t>
+            </a:r>
+            <a:r>
               <a:rPr lang="ko-KR" altLang="en-US" sz="2000" b="0" i="0" dirty="0">
                 <a:solidFill>
                   <a:srgbClr val="000000"/>
@@ -11307,17 +11337,29 @@
                 <a:effectLst/>
                 <a:latin typeface="Helvetica Neue"/>
               </a:rPr>
-              <a:t>age, pregnancies, </a:t>
-            </a:r>
-            <a:r>
-              <a:rPr lang="en-US" altLang="ko-KR" sz="2000" b="0" i="0" dirty="0" err="1">
+              <a:t>: Age, Pregnancies,      </a:t>
+            </a:r>
+          </a:p>
+          <a:p>
+            <a:pPr algn="l"/>
+            <a:r>
+              <a:rPr lang="en-US" altLang="ko-KR" sz="2000" dirty="0">
+                <a:solidFill>
+                  <a:srgbClr val="000000"/>
+                </a:solidFill>
+                <a:latin typeface="Helvetica Neue"/>
+              </a:rPr>
+              <a:t>    </a:t>
+            </a:r>
+            <a:r>
+              <a:rPr lang="en-US" altLang="ko-KR" sz="2000" b="0" i="0" dirty="0">
                 <a:solidFill>
                   <a:srgbClr val="000000"/>
                 </a:solidFill>
                 <a:effectLst/>
                 <a:latin typeface="Helvetica Neue"/>
               </a:rPr>
-              <a:t>BloodPressure</a:t>
+              <a:t>Blood Pressure</a:t>
             </a:r>
             <a:br>
               <a:rPr lang="en-US" altLang="ko-KR" sz="2000" b="0" i="0" dirty="0">
@@ -11329,6 +11371,28 @@
               </a:rPr>
             </a:br>
             <a:r>
+              <a:rPr lang="en-US" altLang="ko-KR" sz="2000" b="0" i="0" dirty="0">
+                <a:solidFill>
+                  <a:srgbClr val="000000"/>
+                </a:solidFill>
+                <a:effectLst/>
+                <a:latin typeface="Helvetica Neue"/>
+              </a:rPr>
+              <a:t>    </a:t>
+            </a:r>
+          </a:p>
+          <a:p>
+            <a:pPr algn="l"/>
+            <a:r>
+              <a:rPr lang="en-US" altLang="ko-KR" sz="2000" dirty="0">
+                <a:solidFill>
+                  <a:srgbClr val="000000"/>
+                </a:solidFill>
+                <a:latin typeface="Helvetica Neue"/>
+              </a:rPr>
+              <a:t>    </a:t>
+            </a:r>
+            <a:r>
               <a:rPr lang="ko-KR" altLang="en-US" sz="2000" b="0" i="0" dirty="0">
                 <a:solidFill>
                   <a:srgbClr val="000000"/>
@@ -11366,54 +11430,8 @@
                 <a:effectLst/>
                 <a:latin typeface="Helvetica Neue"/>
               </a:rPr>
-              <a:t>Glucose, Insulin</a:t>
-            </a:r>
-            <a:br>
-              <a:rPr lang="en-US" altLang="ko-KR" sz="2000" b="0" i="0" dirty="0">
-                <a:solidFill>
-                  <a:srgbClr val="000000"/>
-                </a:solidFill>
-                <a:effectLst/>
-                <a:latin typeface="Helvetica Neue"/>
-              </a:rPr>
-            </a:br>
-            <a:r>
-              <a:rPr lang="ko-KR" altLang="en-US" sz="2000" b="0" i="0" dirty="0">
-                <a:solidFill>
-                  <a:srgbClr val="000000"/>
-                </a:solidFill>
-                <a:effectLst/>
-                <a:latin typeface="Helvetica Neue"/>
-              </a:rPr>
-              <a:t>으로 </a:t>
-            </a:r>
-            <a:r>
-              <a:rPr lang="en-US" altLang="ko-KR" sz="2000" b="0" i="0" dirty="0">
-                <a:solidFill>
-                  <a:srgbClr val="000000"/>
-                </a:solidFill>
-                <a:effectLst/>
-                <a:latin typeface="Helvetica Neue"/>
-              </a:rPr>
-              <a:t>feature</a:t>
-            </a:r>
-            <a:r>
-              <a:rPr lang="ko-KR" altLang="en-US" sz="2000" b="0" i="0" dirty="0">
-                <a:solidFill>
-                  <a:srgbClr val="000000"/>
-                </a:solidFill>
-                <a:effectLst/>
-                <a:latin typeface="Helvetica Neue"/>
-              </a:rPr>
-              <a:t>가 분류될 수 있다</a:t>
-            </a:r>
-            <a:endParaRPr lang="en-US" altLang="ko-KR" sz="2000" b="0" i="0" dirty="0">
-              <a:solidFill>
-                <a:srgbClr val="000000"/>
-              </a:solidFill>
-              <a:effectLst/>
-              <a:latin typeface="Helvetica Neue"/>
-            </a:endParaRPr>
+              <a:t>: Glucose, Insulin</a:t>
+            </a:r>
           </a:p>
           <a:p>
             <a:pPr algn="l"/>
@@ -11426,158 +11444,183 @@
             </a:endParaRPr>
           </a:p>
           <a:p>
-            <a:pPr marL="285750" indent="-285750" algn="l">
-              <a:buFont typeface="Wingdings" panose="05000000000000000000" pitchFamily="2" charset="2"/>
-              <a:buChar char="l"/>
-            </a:pPr>
-            <a:r>
-              <a:rPr lang="ko-KR" altLang="en-US" sz="2000" b="0" i="0" dirty="0">
+            <a:pPr algn="l"/>
+            <a:endParaRPr lang="en-US" altLang="ko-KR" dirty="0">
+              <a:solidFill>
+                <a:srgbClr val="000000"/>
+              </a:solidFill>
+              <a:latin typeface="Helvetica Neue"/>
+            </a:endParaRPr>
+          </a:p>
+          <a:p>
+            <a:pPr algn="l"/>
+            <a:r>
+              <a:rPr lang="ko-KR" altLang="en-US" dirty="0">
+                <a:solidFill>
+                  <a:srgbClr val="000000"/>
+                </a:solidFill>
+                <a:latin typeface="Helvetica Neue"/>
+              </a:rPr>
+              <a:t>제</a:t>
+            </a:r>
+            <a:r>
+              <a:rPr lang="en-US" altLang="ko-KR" b="0" i="0" dirty="0">
                 <a:solidFill>
                   <a:srgbClr val="000000"/>
                 </a:solidFill>
                 <a:effectLst/>
                 <a:latin typeface="Helvetica Neue"/>
               </a:rPr>
-              <a:t>제</a:t>
-            </a:r>
-            <a:r>
-              <a:rPr lang="en-US" altLang="ko-KR" sz="2000" b="0" i="0" dirty="0">
+              <a:t>1</a:t>
+            </a:r>
+            <a:r>
+              <a:rPr lang="ko-KR" altLang="en-US" b="0" i="0" dirty="0">
                 <a:solidFill>
                   <a:srgbClr val="000000"/>
                 </a:solidFill>
                 <a:effectLst/>
                 <a:latin typeface="Helvetica Neue"/>
               </a:rPr>
-              <a:t>1</a:t>
-            </a:r>
-            <a:r>
-              <a:rPr lang="ko-KR" altLang="en-US" sz="2000" b="0" i="0" dirty="0">
+              <a:t>성분은 </a:t>
+            </a:r>
+            <a:r>
+              <a:rPr lang="ko-KR" altLang="en-US" dirty="0">
+                <a:solidFill>
+                  <a:srgbClr val="000000"/>
+                </a:solidFill>
+                <a:latin typeface="Helvetica Neue"/>
+              </a:rPr>
+              <a:t>피부두께</a:t>
+            </a:r>
+            <a:r>
+              <a:rPr lang="ko-KR" altLang="en-US" b="0" i="0" dirty="0">
                 <a:solidFill>
                   <a:srgbClr val="000000"/>
                 </a:solidFill>
                 <a:effectLst/>
                 <a:latin typeface="Helvetica Neue"/>
               </a:rPr>
-              <a:t>성분은 </a:t>
-            </a:r>
-            <a:r>
-              <a:rPr lang="ko-KR" altLang="en-US" sz="2000" dirty="0">
-                <a:solidFill>
-                  <a:srgbClr val="000000"/>
-                </a:solidFill>
-                <a:latin typeface="Helvetica Neue"/>
-              </a:rPr>
-              <a:t>피부두께</a:t>
-            </a:r>
-            <a:r>
-              <a:rPr lang="ko-KR" altLang="en-US" sz="2000" b="0" i="0" dirty="0">
+              <a:t>로 관련된 요인</a:t>
+            </a:r>
+            <a:r>
+              <a:rPr lang="en-US" altLang="ko-KR" b="0" i="0" dirty="0">
                 <a:solidFill>
                   <a:srgbClr val="000000"/>
                 </a:solidFill>
                 <a:effectLst/>
                 <a:latin typeface="Helvetica Neue"/>
               </a:rPr>
-              <a:t>로 관련된 요인</a:t>
-            </a:r>
-            <a:r>
-              <a:rPr lang="en-US" altLang="ko-KR" sz="2000" b="0" i="0" dirty="0">
+              <a:t>,</a:t>
+            </a:r>
+            <a:br>
+              <a:rPr lang="en-US" altLang="ko-KR" b="0" i="0" dirty="0">
                 <a:solidFill>
                   <a:srgbClr val="000000"/>
                 </a:solidFill>
                 <a:effectLst/>
                 <a:latin typeface="Helvetica Neue"/>
               </a:rPr>
-              <a:t>,</a:t>
-            </a:r>
-            <a:br>
-              <a:rPr lang="en-US" altLang="ko-KR" sz="2000" b="0" i="0" dirty="0">
+            </a:br>
+            <a:r>
+              <a:rPr lang="ko-KR" altLang="en-US" b="0" i="0" dirty="0">
                 <a:solidFill>
                   <a:srgbClr val="000000"/>
                 </a:solidFill>
                 <a:effectLst/>
                 <a:latin typeface="Helvetica Neue"/>
               </a:rPr>
-            </a:br>
-            <a:r>
-              <a:rPr lang="ko-KR" altLang="en-US" sz="2000" b="0" i="0" dirty="0">
+              <a:t>제</a:t>
+            </a:r>
+            <a:r>
+              <a:rPr lang="en-US" altLang="ko-KR" b="0" i="0" dirty="0">
                 <a:solidFill>
                   <a:srgbClr val="000000"/>
                 </a:solidFill>
                 <a:effectLst/>
                 <a:latin typeface="Helvetica Neue"/>
               </a:rPr>
-              <a:t>제</a:t>
-            </a:r>
-            <a:r>
-              <a:rPr lang="en-US" altLang="ko-KR" sz="2000" b="0" i="0" dirty="0">
+              <a:t>2</a:t>
+            </a:r>
+            <a:r>
+              <a:rPr lang="ko-KR" altLang="en-US" b="0" i="0" dirty="0">
                 <a:solidFill>
                   <a:srgbClr val="000000"/>
                 </a:solidFill>
                 <a:effectLst/>
                 <a:latin typeface="Helvetica Neue"/>
               </a:rPr>
-              <a:t>2</a:t>
-            </a:r>
-            <a:r>
-              <a:rPr lang="ko-KR" altLang="en-US" sz="2000" b="0" i="0" dirty="0">
+              <a:t>성분은 연령에 관련된 요인</a:t>
+            </a:r>
+            <a:r>
+              <a:rPr lang="en-US" altLang="ko-KR" b="0" i="0" dirty="0">
                 <a:solidFill>
                   <a:srgbClr val="000000"/>
                 </a:solidFill>
                 <a:effectLst/>
                 <a:latin typeface="Helvetica Neue"/>
               </a:rPr>
-              <a:t>성분은 연령에 관련된 요인</a:t>
-            </a:r>
-            <a:r>
-              <a:rPr lang="en-US" altLang="ko-KR" sz="2000" b="0" i="0" dirty="0">
+              <a:t>,</a:t>
+            </a:r>
+            <a:br>
+              <a:rPr lang="en-US" altLang="ko-KR" b="0" i="0" dirty="0">
                 <a:solidFill>
                   <a:srgbClr val="000000"/>
                 </a:solidFill>
                 <a:effectLst/>
                 <a:latin typeface="Helvetica Neue"/>
               </a:rPr>
-              <a:t>,</a:t>
-            </a:r>
-            <a:br>
-              <a:rPr lang="en-US" altLang="ko-KR" sz="2000" b="0" i="0" dirty="0">
+            </a:br>
+            <a:r>
+              <a:rPr lang="ko-KR" altLang="en-US" b="0" i="0" dirty="0">
                 <a:solidFill>
                   <a:srgbClr val="000000"/>
                 </a:solidFill>
                 <a:effectLst/>
                 <a:latin typeface="Helvetica Neue"/>
               </a:rPr>
-            </a:br>
-            <a:r>
-              <a:rPr lang="ko-KR" altLang="en-US" sz="2000" b="0" i="0" dirty="0">
+              <a:t>제</a:t>
+            </a:r>
+            <a:r>
+              <a:rPr lang="en-US" altLang="ko-KR" b="0" i="0" dirty="0">
                 <a:solidFill>
                   <a:srgbClr val="000000"/>
                 </a:solidFill>
                 <a:effectLst/>
                 <a:latin typeface="Helvetica Neue"/>
               </a:rPr>
-              <a:t>제</a:t>
-            </a:r>
-            <a:r>
-              <a:rPr lang="en-US" altLang="ko-KR" sz="2000" b="0" i="0" dirty="0">
+              <a:t>3</a:t>
+            </a:r>
+            <a:r>
+              <a:rPr lang="ko-KR" altLang="en-US" b="0" i="0" dirty="0">
                 <a:solidFill>
                   <a:srgbClr val="000000"/>
                 </a:solidFill>
                 <a:effectLst/>
                 <a:latin typeface="Helvetica Neue"/>
               </a:rPr>
-              <a:t>3</a:t>
-            </a:r>
-            <a:r>
-              <a:rPr lang="ko-KR" altLang="en-US" sz="2000" b="0" i="0" dirty="0">
+              <a:t>성분은 혈당에 관련된 요인으로</a:t>
+            </a:r>
+            <a:endParaRPr lang="en-US" altLang="ko-KR" b="0" i="0" dirty="0">
+              <a:solidFill>
+                <a:srgbClr val="000000"/>
+              </a:solidFill>
+              <a:effectLst/>
+              <a:latin typeface="Helvetica Neue"/>
+            </a:endParaRPr>
+          </a:p>
+          <a:p>
+            <a:pPr algn="l"/>
+            <a:r>
+              <a:rPr lang="ko-KR" altLang="en-US" b="0" i="0" dirty="0">
                 <a:solidFill>
                   <a:srgbClr val="000000"/>
                 </a:solidFill>
                 <a:effectLst/>
                 <a:latin typeface="Helvetica Neue"/>
               </a:rPr>
-              <a:t>성분은 혈당에 관련된 요인으로 볼 수 있다</a:t>
-            </a:r>
-            <a:endParaRPr lang="en-US" altLang="ko-KR" sz="2000" b="0" i="0" dirty="0">
+              <a:t>볼 수 있다</a:t>
+            </a:r>
+            <a:endParaRPr lang="en-US" altLang="ko-KR" b="0" i="0" dirty="0">
               <a:solidFill>
                 <a:srgbClr val="000000"/>
               </a:solidFill>
@@ -12111,7 +12154,15 @@
             </a:pPr>
             <a:r>
               <a:rPr kumimoji="1" lang="ko-KR" altLang="en-US" sz="2000" dirty="0"/>
-              <a:t>정상인과 당뇨병 환자에 대해 요인들이 어떻게 군집을 이루는지를 확인</a:t>
+              <a:t>정상인과 당뇨병 환자에 대해 </a:t>
+            </a:r>
+            <a:r>
+              <a:rPr kumimoji="1" lang="ko-KR" altLang="en-US" sz="2000" dirty="0" err="1"/>
+              <a:t>피쳐들이</a:t>
+            </a:r>
+            <a:r>
+              <a:rPr kumimoji="1" lang="ko-KR" altLang="en-US" sz="2000" dirty="0"/>
+              <a:t> 어떻게 군집을 이루는지를 확인</a:t>
             </a:r>
             <a:endParaRPr kumimoji="1" lang="ja-JP" altLang="en-US" sz="2000" dirty="0"/>
           </a:p>
@@ -12274,7 +12325,7 @@
         <p:spPr>
           <a:xfrm>
             <a:off x="2522204" y="6272010"/>
-            <a:ext cx="4944444" cy="369332"/>
+            <a:ext cx="4944444" cy="338554"/>
           </a:xfrm>
           <a:prstGeom prst="rect">
             <a:avLst/>
@@ -12288,26 +12339,26 @@
           <a:lstStyle/>
           <a:p>
             <a:r>
-              <a:rPr kumimoji="1" lang="ko-KR" altLang="en-US" dirty="0"/>
+              <a:rPr kumimoji="1" lang="ko-KR" altLang="en-US" sz="1600" dirty="0"/>
               <a:t>그림 </a:t>
             </a:r>
             <a:r>
-              <a:rPr kumimoji="1" lang="en-US" altLang="ja-JP" dirty="0"/>
-              <a:t>7</a:t>
-            </a:r>
-            <a:r>
-              <a:rPr kumimoji="1" lang="ja-JP" altLang="en-US" dirty="0"/>
+              <a:rPr kumimoji="1" lang="en-US" altLang="ko-KR" sz="1600" dirty="0"/>
+              <a:t>5.</a:t>
+            </a:r>
+            <a:r>
+              <a:rPr kumimoji="1" lang="ja-JP" altLang="en-US" sz="1600" dirty="0"/>
               <a:t>　</a:t>
             </a:r>
             <a:r>
-              <a:rPr kumimoji="1" lang="ko-KR" altLang="en-US" dirty="0"/>
+              <a:rPr kumimoji="1" lang="ko-KR" altLang="en-US" sz="1600" dirty="0"/>
               <a:t>정상인과 당뇨병 환자의 </a:t>
             </a:r>
             <a:r>
-              <a:rPr kumimoji="1" lang="ko-KR" altLang="en-US" dirty="0" err="1"/>
-              <a:t>댄드로그램</a:t>
-            </a:r>
-            <a:endParaRPr kumimoji="1" lang="ja-JP" altLang="en-US" dirty="0"/>
+              <a:rPr kumimoji="1" lang="ko-KR" altLang="en-US" sz="1600" dirty="0" err="1"/>
+              <a:t>덴드로그램</a:t>
+            </a:r>
+            <a:endParaRPr kumimoji="1" lang="ja-JP" altLang="en-US" sz="1600" dirty="0"/>
           </a:p>
         </p:txBody>
       </p:sp>
@@ -12663,7 +12714,21 @@
                 <a:latin typeface="+mn-ea"/>
                 <a:ea typeface="+mn-ea"/>
               </a:rPr>
-              <a:t>을 이용한 요인의 영향도</a:t>
+              <a:t>을 이용한 </a:t>
+            </a:r>
+            <a:r>
+              <a:rPr kumimoji="1" lang="ko-KR" altLang="en-US" b="1" dirty="0" err="1">
+                <a:latin typeface="+mn-ea"/>
+                <a:ea typeface="+mn-ea"/>
+              </a:rPr>
+              <a:t>피쳐의</a:t>
+            </a:r>
+            <a:r>
+              <a:rPr kumimoji="1" lang="ko-KR" altLang="en-US" b="1" dirty="0">
+                <a:latin typeface="+mn-ea"/>
+                <a:ea typeface="+mn-ea"/>
+              </a:rPr>
+              <a:t> 영향도</a:t>
             </a:r>
             <a:r>
               <a:rPr kumimoji="1" lang="ja-JP" altLang="en-US" b="1" dirty="0">
@@ -12703,54 +12768,42 @@
           </a:bodyPr>
           <a:lstStyle/>
           <a:p>
-            <a:r>
-              <a:rPr lang="en-US" altLang="ja-JP" sz="2000" dirty="0"/>
-              <a:t>SVM</a:t>
-            </a:r>
-            <a:r>
-              <a:rPr lang="ko-KR" altLang="en-US" sz="2000" dirty="0"/>
-              <a:t>을 이용해 각 요인을 </a:t>
-            </a:r>
-            <a:r>
-              <a:rPr lang="en-US" altLang="ko-KR" sz="2000" dirty="0"/>
+            <a:pPr marL="0" indent="0">
+              <a:buNone/>
+            </a:pPr>
+            <a:r>
+              <a:rPr lang="en-US" altLang="ja-JP" sz="1800" dirty="0"/>
+              <a:t>  SVM</a:t>
+            </a:r>
+            <a:r>
+              <a:rPr lang="ko-KR" altLang="en-US" sz="1800" dirty="0"/>
+              <a:t>을 이용해 각 </a:t>
+            </a:r>
+            <a:r>
+              <a:rPr lang="ko-KR" altLang="en-US" sz="1800" dirty="0" err="1"/>
+              <a:t>피쳐를</a:t>
+            </a:r>
+            <a:r>
+              <a:rPr lang="ko-KR" altLang="en-US" sz="1800" dirty="0"/>
+              <a:t> </a:t>
+            </a:r>
+            <a:r>
+              <a:rPr lang="en-US" altLang="ko-KR" sz="1800" dirty="0"/>
               <a:t>1</a:t>
             </a:r>
             <a:r>
-              <a:rPr lang="ko-KR" altLang="en-US" sz="2000" dirty="0"/>
+              <a:rPr lang="ko-KR" altLang="en-US" sz="1800" dirty="0"/>
               <a:t>개씩 제거하여 나머지 </a:t>
             </a:r>
             <a:r>
-              <a:rPr lang="en-US" altLang="ko-KR" sz="2000" dirty="0"/>
+              <a:rPr lang="en-US" altLang="ko-KR" sz="1800" dirty="0"/>
               <a:t>7</a:t>
             </a:r>
             <a:r>
-              <a:rPr lang="ko-KR" altLang="en-US" sz="2000" dirty="0"/>
+              <a:rPr lang="ko-KR" altLang="en-US" sz="1800" dirty="0"/>
               <a:t>개에 대한 정확도를 측정</a:t>
             </a:r>
-            <a:endParaRPr lang="en-US" altLang="ko-KR" sz="2000" dirty="0"/>
-          </a:p>
-          <a:p>
-            <a:r>
-              <a:rPr lang="ko-KR" altLang="en-US" sz="2000" dirty="0"/>
-              <a:t>즉</a:t>
-            </a:r>
-            <a:r>
-              <a:rPr lang="en-US" altLang="ko-KR" sz="2000" dirty="0"/>
-              <a:t>, </a:t>
-            </a:r>
-            <a:r>
-              <a:rPr lang="ko-KR" altLang="en-US" sz="2000" dirty="0"/>
-              <a:t>요인의 영향도가 클수록 정확도는 낮아지므로</a:t>
-            </a:r>
-            <a:r>
-              <a:rPr lang="en-US" altLang="ko-KR" sz="2000" dirty="0"/>
-              <a:t>, Glucose</a:t>
-            </a:r>
-            <a:r>
-              <a:rPr lang="ko-KR" altLang="en-US" sz="2000" dirty="0"/>
-              <a:t>의 정확도가 현저하게 낮다</a:t>
-            </a:r>
-            <a:endParaRPr lang="en-US" altLang="ja-JP" sz="2000" dirty="0"/>
+            <a:endParaRPr lang="en-US" altLang="ko-KR" sz="1800" dirty="0"/>
           </a:p>
         </p:txBody>
       </p:sp>
@@ -12805,7 +12858,7 @@
         </p:nvGrpSpPr>
         <p:grpSpPr>
           <a:xfrm>
-            <a:off x="154722" y="1565959"/>
+            <a:off x="82643" y="995307"/>
             <a:ext cx="8432707" cy="4663440"/>
             <a:chOff x="385533" y="620165"/>
             <a:chExt cx="11104868" cy="5628494"/>
@@ -12999,8 +13052,8 @@
         </p:nvSpPr>
         <p:spPr>
           <a:xfrm>
-            <a:off x="2721288" y="5860067"/>
-            <a:ext cx="5038531" cy="369332"/>
+            <a:off x="2649209" y="5289415"/>
+            <a:ext cx="5038531" cy="338554"/>
           </a:xfrm>
           <a:prstGeom prst="rect">
             <a:avLst/>
@@ -13014,26 +13067,81 @@
           <a:lstStyle/>
           <a:p>
             <a:r>
-              <a:rPr kumimoji="1" lang="ko-KR" altLang="en-US" dirty="0"/>
+              <a:rPr kumimoji="1" lang="ko-KR" altLang="en-US" sz="1600" dirty="0"/>
               <a:t>그림 </a:t>
             </a:r>
             <a:r>
-              <a:rPr kumimoji="1" lang="en-US" altLang="ja-JP" dirty="0"/>
-              <a:t>8</a:t>
-            </a:r>
-            <a:r>
-              <a:rPr kumimoji="1" lang="ja-JP" altLang="en-US" dirty="0"/>
+              <a:rPr kumimoji="1" lang="en-US" altLang="ko-KR" sz="1600" dirty="0"/>
+              <a:t>6.</a:t>
+            </a:r>
+            <a:r>
+              <a:rPr kumimoji="1" lang="ja-JP" altLang="en-US" sz="1600" dirty="0"/>
               <a:t>　</a:t>
             </a:r>
             <a:r>
-              <a:rPr kumimoji="1" lang="en-US" altLang="ja-JP" dirty="0"/>
+              <a:rPr kumimoji="1" lang="en-US" altLang="ja-JP" sz="1600" dirty="0"/>
               <a:t>SVM</a:t>
             </a:r>
             <a:r>
-              <a:rPr kumimoji="1" lang="ko-KR" altLang="en-US" dirty="0"/>
-              <a:t>을 이용한 요인의 영향도</a:t>
-            </a:r>
-            <a:endParaRPr kumimoji="1" lang="ja-JP" altLang="en-US" dirty="0"/>
+              <a:rPr kumimoji="1" lang="ko-KR" altLang="en-US" sz="1600" dirty="0"/>
+              <a:t>을 이용한 요인의 정확도</a:t>
+            </a:r>
+            <a:endParaRPr kumimoji="1" lang="ja-JP" altLang="en-US" sz="1600" dirty="0"/>
+          </a:p>
+        </p:txBody>
+      </p:sp>
+      <p:sp>
+        <p:nvSpPr>
+          <p:cNvPr id="6" name="TextBox 5">
+            <a:extLst>
+              <a:ext uri="{FF2B5EF4-FFF2-40B4-BE49-F238E27FC236}">
+                <a16:creationId xmlns:a16="http://schemas.microsoft.com/office/drawing/2014/main" id="{DC989A0C-B5B7-4D1B-8B92-CAC9A4E4D69B}"/>
+              </a:ext>
+            </a:extLst>
+          </p:cNvPr>
+          <p:cNvSpPr txBox="1"/>
+          <p:nvPr/>
+        </p:nvSpPr>
+        <p:spPr>
+          <a:xfrm>
+            <a:off x="214261" y="5679551"/>
+            <a:ext cx="8715477" cy="1107996"/>
+          </a:xfrm>
+          <a:prstGeom prst="rect">
+            <a:avLst/>
+          </a:prstGeom>
+          <a:noFill/>
+        </p:spPr>
+        <p:txBody>
+          <a:bodyPr wrap="square" rtlCol="0">
+            <a:spAutoFit/>
+          </a:bodyPr>
+          <a:lstStyle/>
+          <a:p>
+            <a:pPr marL="342900" indent="-342900">
+              <a:buFont typeface="Wingdings" panose="05000000000000000000" pitchFamily="2" charset="2"/>
+              <a:buChar char="Ø"/>
+            </a:pPr>
+            <a:r>
+              <a:rPr lang="ko-KR" altLang="en-US" sz="2200" dirty="0" err="1"/>
+              <a:t>피쳐의</a:t>
+            </a:r>
+            <a:r>
+              <a:rPr lang="ko-KR" altLang="en-US" sz="2200" dirty="0"/>
+              <a:t> 영향도가 클수록 정확도는 낮아지므로</a:t>
+            </a:r>
+            <a:r>
+              <a:rPr lang="en-US" altLang="ko-KR" sz="2200" dirty="0"/>
+              <a:t>, Glucose</a:t>
+            </a:r>
+            <a:r>
+              <a:rPr lang="ko-KR" altLang="en-US" sz="2200" dirty="0"/>
+              <a:t>의 정확도가 현저하게 낮다</a:t>
+            </a:r>
+            <a:endParaRPr lang="en-US" altLang="ja-JP" sz="2200" dirty="0"/>
+          </a:p>
+          <a:p>
+            <a:endParaRPr kumimoji="1" lang="ja-JP" altLang="en-US" sz="2200" dirty="0"/>
           </a:p>
         </p:txBody>
       </p:sp>
@@ -13233,7 +13341,21 @@
                 <a:latin typeface="+mn-ea"/>
                 <a:ea typeface="+mn-ea"/>
               </a:rPr>
-              <a:t>결정 트리를 이용한 요인의 영향도</a:t>
+              <a:t>결정 트리를 이용한 </a:t>
+            </a:r>
+            <a:r>
+              <a:rPr lang="ko-KR" altLang="en-US" b="1" dirty="0" err="1">
+                <a:latin typeface="+mn-ea"/>
+                <a:ea typeface="+mn-ea"/>
+              </a:rPr>
+              <a:t>피쳐의</a:t>
+            </a:r>
+            <a:r>
+              <a:rPr lang="ko-KR" altLang="en-US" b="1" dirty="0">
+                <a:latin typeface="+mn-ea"/>
+                <a:ea typeface="+mn-ea"/>
+              </a:rPr>
+              <a:t> 영향도</a:t>
             </a:r>
             <a:r>
               <a:rPr kumimoji="1" lang="ja-JP" altLang="en-US" b="1" dirty="0">
@@ -13263,56 +13385,32 @@
         </p:nvSpPr>
         <p:spPr>
           <a:xfrm>
-            <a:off x="121299" y="674949"/>
+            <a:off x="186613" y="592993"/>
             <a:ext cx="10585579" cy="4038600"/>
           </a:xfrm>
         </p:spPr>
         <p:txBody>
-          <a:bodyPr/>
+          <a:bodyPr>
+            <a:normAutofit/>
+          </a:bodyPr>
           <a:lstStyle/>
-          <a:p>
-            <a:r>
-              <a:rPr kumimoji="1" lang="ko-KR" altLang="en-US" dirty="0"/>
-              <a:t>요인 </a:t>
-            </a:r>
-            <a:r>
-              <a:rPr kumimoji="1" lang="en-US" altLang="ko-KR" dirty="0"/>
-              <a:t>8</a:t>
-            </a:r>
-            <a:r>
-              <a:rPr kumimoji="1" lang="ko-KR" altLang="en-US" dirty="0"/>
-              <a:t>개가 트리를 만드는데 얼마나 중요한지를 평가</a:t>
-            </a:r>
-            <a:endParaRPr kumimoji="1" lang="en-US" altLang="ko-KR" dirty="0"/>
-          </a:p>
-          <a:p>
-            <a:r>
-              <a:rPr kumimoji="1" lang="ko-KR" altLang="en-US" dirty="0"/>
-              <a:t>그 결과</a:t>
-            </a:r>
-            <a:r>
-              <a:rPr kumimoji="1" lang="en-US" altLang="ko-KR" dirty="0"/>
-              <a:t>, Glucose, BMI, Diabetes Pedigree Function, Age</a:t>
-            </a:r>
-            <a:r>
-              <a:rPr lang="ko-KR" altLang="en-US" dirty="0"/>
-              <a:t>의 </a:t>
-            </a:r>
-            <a:endParaRPr lang="en-US" altLang="ko-KR" dirty="0"/>
-          </a:p>
           <a:p>
             <a:pPr marL="0" indent="0">
               <a:buNone/>
             </a:pPr>
             <a:r>
-              <a:rPr lang="en-US" altLang="ko-KR" dirty="0"/>
-              <a:t>   </a:t>
-            </a:r>
-            <a:r>
-              <a:rPr lang="ko-KR" altLang="en-US" dirty="0"/>
-              <a:t>중요도가 높게 측정됨</a:t>
-            </a:r>
-            <a:endParaRPr kumimoji="1" lang="ja-JP" altLang="en-US" dirty="0"/>
+              <a:rPr kumimoji="1" lang="ko-KR" altLang="en-US" sz="2000" dirty="0"/>
+              <a:t> 요인 </a:t>
+            </a:r>
+            <a:r>
+              <a:rPr kumimoji="1" lang="en-US" altLang="ko-KR" sz="2000" dirty="0"/>
+              <a:t>8</a:t>
+            </a:r>
+            <a:r>
+              <a:rPr kumimoji="1" lang="ko-KR" altLang="en-US" sz="2000" dirty="0"/>
+              <a:t>개가 트리를 만드는데 얼마나 중요한지를 평가</a:t>
+            </a:r>
+            <a:endParaRPr kumimoji="1" lang="en-US" altLang="ko-KR" sz="2000" dirty="0"/>
           </a:p>
         </p:txBody>
       </p:sp>
@@ -13367,8 +13465,8 @@
         </p:nvSpPr>
         <p:spPr>
           <a:xfrm>
-            <a:off x="1275587" y="5774582"/>
-            <a:ext cx="5324655" cy="369332"/>
+            <a:off x="1944273" y="1211010"/>
+            <a:ext cx="5324655" cy="338554"/>
           </a:xfrm>
           <a:prstGeom prst="rect">
             <a:avLst/>
@@ -13383,26 +13481,26 @@
           <a:p>
             <a:pPr algn="ctr"/>
             <a:r>
-              <a:rPr kumimoji="1" lang="ko-KR" altLang="en-US" dirty="0"/>
-              <a:t>그림 </a:t>
-            </a:r>
-            <a:r>
-              <a:rPr kumimoji="1" lang="en-US" altLang="ja-JP" dirty="0"/>
-              <a:t>9</a:t>
-            </a:r>
-            <a:r>
-              <a:rPr kumimoji="1" lang="ja-JP" altLang="en-US" dirty="0"/>
-              <a:t>　</a:t>
-            </a:r>
-            <a:r>
-              <a:rPr kumimoji="1" lang="ko-KR" altLang="en-US" dirty="0"/>
+              <a:rPr kumimoji="1" lang="ko-KR" altLang="en-US" sz="1600" dirty="0"/>
+              <a:t>표 </a:t>
+            </a:r>
+            <a:r>
+              <a:rPr kumimoji="1" lang="en-US" altLang="ko-KR" sz="1600" dirty="0"/>
+              <a:t>2.</a:t>
+            </a:r>
+            <a:r>
+              <a:rPr kumimoji="1" lang="ja-JP" altLang="en-US" sz="1600" dirty="0"/>
+              <a:t> </a:t>
+            </a:r>
+            <a:r>
+              <a:rPr kumimoji="1" lang="ko-KR" altLang="en-US" sz="1600" dirty="0"/>
               <a:t>결정 트리를 이용한 </a:t>
             </a:r>
             <a:r>
-              <a:rPr kumimoji="1" lang="en-US" altLang="ko-KR" dirty="0"/>
+              <a:rPr kumimoji="1" lang="en-US" altLang="ko-KR" sz="1600" dirty="0"/>
               <a:t>feature importance</a:t>
             </a:r>
-            <a:endParaRPr kumimoji="1" lang="ja-JP" altLang="en-US" dirty="0"/>
+            <a:endParaRPr kumimoji="1" lang="ja-JP" altLang="en-US" sz="1600" dirty="0"/>
           </a:p>
         </p:txBody>
       </p:sp>
@@ -13421,14 +13519,14 @@
           <p:nvPr>
             <p:extLst>
               <p:ext uri="{D42A27DB-BD31-4B8C-83A1-F6EECF244321}">
-                <p14:modId xmlns:p14="http://schemas.microsoft.com/office/powerpoint/2010/main" val="4002477901"/>
+                <p14:modId xmlns:p14="http://schemas.microsoft.com/office/powerpoint/2010/main" val="3335574455"/>
               </p:ext>
             </p:extLst>
           </p:nvPr>
         </p:nvGraphicFramePr>
         <p:xfrm>
-          <a:off x="1193800" y="2031309"/>
-          <a:ext cx="6096000" cy="3606800"/>
+          <a:off x="1558601" y="1568878"/>
+          <a:ext cx="6096000" cy="3881120"/>
         </p:xfrm>
         <a:graphic>
           <a:graphicData uri="http://schemas.openxmlformats.org/drawingml/2006/table">
@@ -13503,7 +13601,7 @@
                     <a:bodyPr/>
                     <a:lstStyle/>
                     <a:p>
-                      <a:pPr algn="l"/>
+                      <a:pPr algn="ctr"/>
                       <a:r>
                         <a:rPr kumimoji="1" lang="en-US" altLang="ja-JP" sz="1800" dirty="0"/>
                         <a:t>Pregnancies</a:t>
@@ -13540,7 +13638,7 @@
                     <a:bodyPr/>
                     <a:lstStyle/>
                     <a:p>
-                      <a:pPr algn="l"/>
+                      <a:pPr algn="ctr"/>
                       <a:r>
                         <a:rPr kumimoji="1" lang="en-US" altLang="ja-JP" sz="1800" dirty="0"/>
                         <a:t>Glucose</a:t>
@@ -13577,7 +13675,7 @@
                     <a:bodyPr/>
                     <a:lstStyle/>
                     <a:p>
-                      <a:pPr algn="l"/>
+                      <a:pPr algn="ctr"/>
                       <a:r>
                         <a:rPr kumimoji="1" lang="en-US" altLang="ja-JP" sz="1800" dirty="0"/>
                         <a:t>Blood Pressure</a:t>
@@ -13614,7 +13712,7 @@
                     <a:bodyPr/>
                     <a:lstStyle/>
                     <a:p>
-                      <a:pPr algn="l"/>
+                      <a:pPr algn="ctr"/>
                       <a:r>
                         <a:rPr kumimoji="1" lang="en-US" altLang="ja-JP" sz="1800" dirty="0"/>
                         <a:t>Skin Thickness</a:t>
@@ -13651,7 +13749,7 @@
                     <a:bodyPr/>
                     <a:lstStyle/>
                     <a:p>
-                      <a:pPr algn="l"/>
+                      <a:pPr algn="ctr"/>
                       <a:r>
                         <a:rPr kumimoji="1" lang="en-US" altLang="ja-JP" sz="1800" dirty="0"/>
                         <a:t>Insulin</a:t>
@@ -13688,7 +13786,7 @@
                     <a:bodyPr/>
                     <a:lstStyle/>
                     <a:p>
-                      <a:pPr algn="l"/>
+                      <a:pPr algn="ctr"/>
                       <a:r>
                         <a:rPr kumimoji="1" lang="en-US" altLang="ja-JP" sz="1800" dirty="0"/>
                         <a:t>BMI</a:t>
@@ -13725,10 +13823,24 @@
                     <a:bodyPr/>
                     <a:lstStyle/>
                     <a:p>
-                      <a:pPr algn="l"/>
+                      <a:pPr algn="ctr"/>
                       <a:r>
                         <a:rPr kumimoji="1" lang="en-US" altLang="ja-JP" sz="1800" dirty="0"/>
-                        <a:t>Diabetes Pedigree Function</a:t>
+                        <a:t>Diabetes</a:t>
+                      </a:r>
+                    </a:p>
+                    <a:p>
+                      <a:pPr algn="ctr"/>
+                      <a:r>
+                        <a:rPr kumimoji="1" lang="en-US" altLang="ja-JP" sz="1800" dirty="0"/>
+                        <a:t>Pedigree </a:t>
+                      </a:r>
+                    </a:p>
+                    <a:p>
+                      <a:pPr algn="ctr"/>
+                      <a:r>
+                        <a:rPr kumimoji="1" lang="en-US" altLang="ja-JP" sz="1800" dirty="0"/>
+                        <a:t>Function</a:t>
                       </a:r>
                       <a:endParaRPr kumimoji="1" lang="ja-JP" altLang="en-US" sz="1800" dirty="0"/>
                     </a:p>
@@ -13739,6 +13851,10 @@
                   <a:txBody>
                     <a:bodyPr/>
                     <a:lstStyle/>
+                    <a:p>
+                      <a:pPr algn="ctr"/>
+                      <a:endParaRPr kumimoji="1" lang="en-US" altLang="ja-JP" sz="1800" dirty="0"/>
+                    </a:p>
                     <a:p>
                       <a:pPr algn="ctr"/>
                       <a:r>
@@ -13762,7 +13878,7 @@
                     <a:bodyPr/>
                     <a:lstStyle/>
                     <a:p>
-                      <a:pPr algn="l"/>
+                      <a:pPr algn="ctr"/>
                       <a:r>
                         <a:rPr kumimoji="1" lang="en-US" altLang="ja-JP" sz="1800" dirty="0"/>
                         <a:t>Age</a:t>
@@ -13797,6 +13913,64 @@
           </a:graphicData>
         </a:graphic>
       </p:graphicFrame>
+      <p:sp>
+        <p:nvSpPr>
+          <p:cNvPr id="7" name="TextBox 6">
+            <a:extLst>
+              <a:ext uri="{FF2B5EF4-FFF2-40B4-BE49-F238E27FC236}">
+                <a16:creationId xmlns:a16="http://schemas.microsoft.com/office/drawing/2014/main" id="{AC41FC54-BDF3-4EAD-898E-E544379372A1}"/>
+              </a:ext>
+            </a:extLst>
+          </p:cNvPr>
+          <p:cNvSpPr txBox="1"/>
+          <p:nvPr/>
+        </p:nvSpPr>
+        <p:spPr>
+          <a:xfrm>
+            <a:off x="186613" y="5598491"/>
+            <a:ext cx="8770774" cy="1107996"/>
+          </a:xfrm>
+          <a:prstGeom prst="rect">
+            <a:avLst/>
+          </a:prstGeom>
+          <a:noFill/>
+        </p:spPr>
+        <p:txBody>
+          <a:bodyPr wrap="square" rtlCol="0">
+            <a:spAutoFit/>
+          </a:bodyPr>
+          <a:lstStyle/>
+          <a:p>
+            <a:pPr marL="285750" indent="-285750">
+              <a:buFont typeface="Wingdings" panose="05000000000000000000" pitchFamily="2" charset="2"/>
+              <a:buChar char="Ø"/>
+            </a:pPr>
+            <a:r>
+              <a:rPr kumimoji="1" lang="en-US" altLang="ko-KR" sz="2200" dirty="0"/>
+              <a:t>Glucose, BMI, Diabetes Pedigree Function, Age</a:t>
+            </a:r>
+            <a:r>
+              <a:rPr lang="ko-KR" altLang="en-US" sz="2200" dirty="0"/>
+              <a:t>의 중요도가 </a:t>
+            </a:r>
+            <a:endParaRPr lang="en-US" altLang="ko-KR" sz="2200" dirty="0"/>
+          </a:p>
+          <a:p>
+            <a:r>
+              <a:rPr lang="en-US" altLang="ko-KR" sz="2200" dirty="0"/>
+              <a:t>    </a:t>
+            </a:r>
+            <a:r>
+              <a:rPr lang="ko-KR" altLang="en-US" sz="2200" dirty="0"/>
+              <a:t>높게 측정됨</a:t>
+            </a:r>
+            <a:endParaRPr kumimoji="1" lang="ja-JP" altLang="en-US" sz="2200" dirty="0"/>
+          </a:p>
+          <a:p>
+            <a:endParaRPr kumimoji="1" lang="ja-JP" altLang="en-US" sz="2200" dirty="0"/>
+          </a:p>
+        </p:txBody>
+      </p:sp>
     </p:spTree>
     <p:extLst>
       <p:ext uri="{BB962C8B-B14F-4D97-AF65-F5344CB8AC3E}">
@@ -14143,19 +14317,13 @@
                 <a:rPr lang="ko-KR" altLang="en-US" sz="2400" dirty="0" err="1">
                   <a:latin typeface="+mn-ea"/>
                 </a:rPr>
-                <a:t>그래피컬</a:t>
+                <a:t>그래피컬라소</a:t>
               </a:r>
               <a:r>
                 <a:rPr lang="ko-KR" altLang="en-US" sz="2400" dirty="0">
                   <a:latin typeface="+mn-ea"/>
                 </a:rPr>
                 <a:t> </a:t>
-              </a:r>
-              <a:r>
-                <a:rPr lang="ko-KR" altLang="en-US" sz="2400" dirty="0" err="1">
-                  <a:latin typeface="+mn-ea"/>
-                </a:rPr>
-                <a:t>라소</a:t>
               </a:r>
               <a:r>
                 <a:rPr lang="ja-JP" altLang="en-US" sz="2400" dirty="0">
@@ -14406,7 +14574,7 @@
         </p:nvSpPr>
         <p:spPr>
           <a:xfrm>
-            <a:off x="3177739" y="4063263"/>
+            <a:off x="3149747" y="4003746"/>
             <a:ext cx="2566219" cy="680022"/>
           </a:xfrm>
           <a:prstGeom prst="downArrow">
@@ -14679,7 +14847,7 @@
             <p:ph idx="1"/>
             <p:extLst>
               <p:ext uri="{D42A27DB-BD31-4B8C-83A1-F6EECF244321}">
-                <p14:modId xmlns:p14="http://schemas.microsoft.com/office/powerpoint/2010/main" val="3107248794"/>
+                <p14:modId xmlns:p14="http://schemas.microsoft.com/office/powerpoint/2010/main" val="1342180321"/>
               </p:ext>
             </p:extLst>
           </p:nvPr>
@@ -14850,7 +15018,7 @@
                           <a:ea typeface="+mn-ea"/>
                           <a:cs typeface="Times New Roman" panose="02020603050405020304" pitchFamily="18" charset="0"/>
                         </a:rPr>
-                        <a:t>주성분 분석 적용</a:t>
+                        <a:t>주성분 적용</a:t>
                       </a:r>
                       <a:endParaRPr lang="ja-JP" sz="2000" b="1" kern="100" dirty="0">
                         <a:effectLst/>
@@ -15760,7 +15928,7 @@
         <p:spPr>
           <a:xfrm>
             <a:off x="2558141" y="1451283"/>
-            <a:ext cx="4683967" cy="369332"/>
+            <a:ext cx="4683967" cy="338554"/>
           </a:xfrm>
           <a:prstGeom prst="rect">
             <a:avLst/>
@@ -15774,35 +15942,39 @@
           <a:lstStyle/>
           <a:p>
             <a:r>
-              <a:rPr kumimoji="1" lang="ko-KR" altLang="en-US" dirty="0"/>
+              <a:rPr kumimoji="1" lang="ko-KR" altLang="en-US" sz="1600" dirty="0"/>
               <a:t>표 </a:t>
             </a:r>
             <a:r>
-              <a:rPr kumimoji="1" lang="en-US" altLang="ja-JP"/>
-              <a:t>2.</a:t>
-            </a:r>
-            <a:r>
-              <a:rPr kumimoji="1" lang="ja-JP" altLang="en-US"/>
+              <a:rPr kumimoji="1" lang="en-US" altLang="ko-KR" sz="1600" dirty="0"/>
+              <a:t>3</a:t>
+            </a:r>
+            <a:r>
+              <a:rPr kumimoji="1" lang="en-US" altLang="ja-JP" sz="1600" dirty="0"/>
+              <a:t>.</a:t>
+            </a:r>
+            <a:r>
+              <a:rPr kumimoji="1" lang="ja-JP" altLang="en-US" sz="1600" dirty="0"/>
               <a:t>　</a:t>
             </a:r>
             <a:r>
-              <a:rPr kumimoji="1" lang="ko-KR" altLang="en-US" dirty="0"/>
+              <a:rPr kumimoji="1" lang="ko-KR" altLang="en-US" sz="1600" dirty="0"/>
               <a:t>각 모델별에 따른 </a:t>
             </a:r>
             <a:r>
-              <a:rPr kumimoji="1" lang="en-US" altLang="ko-KR" dirty="0"/>
+              <a:rPr kumimoji="1" lang="en-US" altLang="ko-KR" sz="1600" dirty="0"/>
               <a:t>accuracy</a:t>
             </a:r>
             <a:r>
-              <a:rPr kumimoji="1" lang="ja-JP" altLang="en-US" dirty="0"/>
+              <a:rPr kumimoji="1" lang="ja-JP" altLang="en-US" sz="1600" dirty="0"/>
               <a:t>（</a:t>
             </a:r>
             <a:r>
-              <a:rPr kumimoji="1" lang="en-US" altLang="ja-JP" dirty="0"/>
+              <a:rPr kumimoji="1" lang="en-US" altLang="ja-JP" sz="1600" dirty="0"/>
               <a:t>%</a:t>
             </a:r>
             <a:r>
-              <a:rPr kumimoji="1" lang="ja-JP" altLang="en-US" dirty="0"/>
+              <a:rPr kumimoji="1" lang="ja-JP" altLang="en-US" sz="1600" dirty="0"/>
               <a:t>）</a:t>
             </a:r>
           </a:p>
@@ -15968,8 +16140,8 @@
         </p:nvSpPr>
         <p:spPr>
           <a:xfrm>
-            <a:off x="4422710" y="5560352"/>
-            <a:ext cx="4803007" cy="584775"/>
+            <a:off x="4049486" y="5553103"/>
+            <a:ext cx="4803007" cy="553998"/>
           </a:xfrm>
           <a:prstGeom prst="rect">
             <a:avLst/>
@@ -15983,27 +16155,27 @@
           <a:p>
             <a:pPr algn="ctr"/>
             <a:r>
-              <a:rPr kumimoji="1" lang="ko-KR" altLang="en-US" sz="1600" dirty="0">
+              <a:rPr kumimoji="1" lang="ko-KR" altLang="en-US" sz="1400" dirty="0">
                 <a:latin typeface="+mn-ea"/>
                 <a:ea typeface="Meiryo UI" panose="020B0604030504040204" pitchFamily="50" charset="-128"/>
               </a:rPr>
               <a:t>그림 </a:t>
             </a:r>
             <a:r>
-              <a:rPr kumimoji="1" lang="en-US" altLang="ko-KR" sz="1600" dirty="0">
+              <a:rPr kumimoji="1" lang="en-US" altLang="ko-KR" sz="1400" dirty="0">
                 <a:latin typeface="+mn-ea"/>
                 <a:ea typeface="Meiryo UI" panose="020B0604030504040204" pitchFamily="50" charset="-128"/>
               </a:rPr>
               <a:t>1. </a:t>
             </a:r>
             <a:r>
-              <a:rPr kumimoji="1" lang="ko-KR" altLang="en-US" sz="1600" dirty="0">
+              <a:rPr kumimoji="1" lang="ko-KR" altLang="en-US" sz="1400" dirty="0">
                 <a:latin typeface="+mn-ea"/>
                 <a:ea typeface="Meiryo UI" panose="020B0604030504040204" pitchFamily="50" charset="-128"/>
               </a:rPr>
               <a:t>일본 국내 사망원인 비율</a:t>
             </a:r>
-            <a:endParaRPr kumimoji="1" lang="en-US" altLang="ja-JP" sz="1600" dirty="0">
+            <a:endParaRPr kumimoji="1" lang="en-US" altLang="ja-JP" sz="1400" dirty="0">
               <a:latin typeface="Meiryo UI" panose="020B0604030504040204" pitchFamily="50" charset="-128"/>
               <a:ea typeface="Meiryo UI" panose="020B0604030504040204" pitchFamily="50" charset="-128"/>
             </a:endParaRPr>
@@ -16899,7 +17071,7 @@
         </p:nvSpPr>
         <p:spPr>
           <a:xfrm>
-            <a:off x="179065" y="6305978"/>
+            <a:off x="-100853" y="6442502"/>
             <a:ext cx="3497196" cy="415498"/>
           </a:xfrm>
           <a:prstGeom prst="rect">
@@ -16913,10 +17085,20 @@
           </a:bodyPr>
           <a:lstStyle/>
           <a:p>
-            <a:pPr>
-              <a:buFont typeface="Wingdings" panose="05000000000000000000" pitchFamily="2" charset="2"/>
-              <a:buChar char="l"/>
-            </a:pPr>
+            <a:r>
+              <a:rPr lang="ko-KR" altLang="en-US" sz="1050" dirty="0">
+                <a:latin typeface="Meiryo UI" panose="020B0604030504040204" pitchFamily="50" charset="-128"/>
+                <a:ea typeface="Meiryo UI" panose="020B0604030504040204" pitchFamily="50" charset="-128"/>
+              </a:rPr>
+              <a:t> </a:t>
+            </a:r>
+            <a:r>
+              <a:rPr lang="en-US" altLang="ko-KR" sz="1050" dirty="0">
+                <a:latin typeface="Meiryo UI" panose="020B0604030504040204" pitchFamily="50" charset="-128"/>
+                <a:ea typeface="Meiryo UI" panose="020B0604030504040204" pitchFamily="50" charset="-128"/>
+              </a:rPr>
+              <a:t>Database : </a:t>
+            </a:r>
             <a:r>
               <a:rPr lang="ko-KR" altLang="en-US" sz="1050" dirty="0">
                 <a:latin typeface="Meiryo UI" panose="020B0604030504040204" pitchFamily="50" charset="-128"/>
@@ -17024,7 +17206,7 @@
         </p:nvSpPr>
         <p:spPr>
           <a:xfrm>
-            <a:off x="87475" y="-227661"/>
+            <a:off x="-30322" y="-140843"/>
             <a:ext cx="7886700" cy="1325563"/>
           </a:xfrm>
         </p:spPr>
@@ -17060,7 +17242,11 @@
             <p:ph type="sldNum" sz="quarter" idx="12"/>
           </p:nvPr>
         </p:nvSpPr>
-        <p:spPr/>
+        <p:spPr>
+          <a:prstGeom prst="roundRect">
+            <a:avLst/>
+          </a:prstGeom>
+        </p:spPr>
         <p:txBody>
           <a:bodyPr/>
           <a:lstStyle/>
@@ -17071,472 +17257,6 @@
               <a:t>4</a:t>
             </a:fld>
             <a:endParaRPr kumimoji="1" lang="ja-JP" altLang="en-US" dirty="0"/>
-          </a:p>
-        </p:txBody>
-      </p:sp>
-      <p:sp>
-        <p:nvSpPr>
-          <p:cNvPr id="5" name="화살표: 오각형 4">
-            <a:extLst>
-              <a:ext uri="{FF2B5EF4-FFF2-40B4-BE49-F238E27FC236}">
-                <a16:creationId xmlns:a16="http://schemas.microsoft.com/office/drawing/2014/main" id="{DD15A2A3-58A6-4B45-9606-40F649917AB8}"/>
-              </a:ext>
-            </a:extLst>
-          </p:cNvPr>
-          <p:cNvSpPr/>
-          <p:nvPr/>
-        </p:nvSpPr>
-        <p:spPr>
-          <a:xfrm>
-            <a:off x="279141" y="1258955"/>
-            <a:ext cx="2827953" cy="1761638"/>
-          </a:xfrm>
-          <a:prstGeom prst="homePlate">
-            <a:avLst/>
-          </a:prstGeom>
-          <a:ln w="38100"/>
-        </p:spPr>
-        <p:style>
-          <a:lnRef idx="2">
-            <a:schemeClr val="accent6"/>
-          </a:lnRef>
-          <a:fillRef idx="1">
-            <a:schemeClr val="lt1"/>
-          </a:fillRef>
-          <a:effectRef idx="0">
-            <a:schemeClr val="accent6"/>
-          </a:effectRef>
-          <a:fontRef idx="minor">
-            <a:schemeClr val="dk1"/>
-          </a:fontRef>
-        </p:style>
-        <p:txBody>
-          <a:bodyPr rtlCol="0" anchor="ctr"/>
-          <a:lstStyle/>
-          <a:p>
-            <a:pPr algn="ctr"/>
-            <a:r>
-              <a:rPr kumimoji="1" lang="ko-KR" altLang="en-US" b="1" dirty="0">
-                <a:solidFill>
-                  <a:schemeClr val="tx1"/>
-                </a:solidFill>
-              </a:rPr>
-              <a:t>데이터 </a:t>
-            </a:r>
-            <a:r>
-              <a:rPr kumimoji="1" lang="ko-KR" altLang="en-US" b="1" dirty="0" err="1">
-                <a:solidFill>
-                  <a:schemeClr val="tx1"/>
-                </a:solidFill>
-              </a:rPr>
-              <a:t>전처리</a:t>
-            </a:r>
-            <a:r>
-              <a:rPr kumimoji="1" lang="ko-KR" altLang="en-US" b="1" dirty="0">
-                <a:solidFill>
-                  <a:schemeClr val="tx1"/>
-                </a:solidFill>
-              </a:rPr>
-              <a:t> 및 스케일링</a:t>
-            </a:r>
-            <a:endParaRPr kumimoji="1" lang="ja-JP" altLang="en-US" b="1" dirty="0">
-              <a:solidFill>
-                <a:schemeClr val="tx1"/>
-              </a:solidFill>
-            </a:endParaRPr>
-          </a:p>
-        </p:txBody>
-      </p:sp>
-      <p:sp>
-        <p:nvSpPr>
-          <p:cNvPr id="6" name="화살표: 오각형 5">
-            <a:extLst>
-              <a:ext uri="{FF2B5EF4-FFF2-40B4-BE49-F238E27FC236}">
-                <a16:creationId xmlns:a16="http://schemas.microsoft.com/office/drawing/2014/main" id="{DB577A6F-4ED9-437B-A841-A7AB2C559C51}"/>
-              </a:ext>
-            </a:extLst>
-          </p:cNvPr>
-          <p:cNvSpPr/>
-          <p:nvPr/>
-        </p:nvSpPr>
-        <p:spPr>
-          <a:xfrm>
-            <a:off x="3236945" y="1258955"/>
-            <a:ext cx="2827953" cy="1761638"/>
-          </a:xfrm>
-          <a:prstGeom prst="homePlate">
-            <a:avLst/>
-          </a:prstGeom>
-          <a:ln w="38100"/>
-        </p:spPr>
-        <p:style>
-          <a:lnRef idx="2">
-            <a:schemeClr val="accent6"/>
-          </a:lnRef>
-          <a:fillRef idx="1">
-            <a:schemeClr val="lt1"/>
-          </a:fillRef>
-          <a:effectRef idx="0">
-            <a:schemeClr val="accent6"/>
-          </a:effectRef>
-          <a:fontRef idx="minor">
-            <a:schemeClr val="dk1"/>
-          </a:fontRef>
-        </p:style>
-        <p:txBody>
-          <a:bodyPr rtlCol="0" anchor="ctr"/>
-          <a:lstStyle/>
-          <a:p>
-            <a:pPr algn="ctr"/>
-            <a:r>
-              <a:rPr kumimoji="1" lang="ko-KR" altLang="en-US" b="1" dirty="0">
-                <a:solidFill>
-                  <a:schemeClr val="tx1"/>
-                </a:solidFill>
-              </a:rPr>
-              <a:t>기초분석</a:t>
-            </a:r>
-            <a:endParaRPr kumimoji="1" lang="en-US" altLang="ko-KR" b="1" dirty="0">
-              <a:solidFill>
-                <a:schemeClr val="tx1"/>
-              </a:solidFill>
-            </a:endParaRPr>
-          </a:p>
-          <a:p>
-            <a:pPr algn="ctr"/>
-            <a:r>
-              <a:rPr kumimoji="1" lang="en-US" altLang="ko-KR" b="1" dirty="0">
-                <a:solidFill>
-                  <a:schemeClr val="tx1"/>
-                </a:solidFill>
-              </a:rPr>
-              <a:t>(T-test, </a:t>
-            </a:r>
-            <a:r>
-              <a:rPr kumimoji="1" lang="ko-KR" altLang="en-US" b="1" dirty="0">
-                <a:solidFill>
-                  <a:schemeClr val="tx1"/>
-                </a:solidFill>
-              </a:rPr>
-              <a:t>상관분석</a:t>
-            </a:r>
-            <a:r>
-              <a:rPr kumimoji="1" lang="en-US" altLang="ko-KR" b="1" dirty="0">
-                <a:solidFill>
-                  <a:schemeClr val="tx1"/>
-                </a:solidFill>
-              </a:rPr>
-              <a:t>)</a:t>
-            </a:r>
-          </a:p>
-        </p:txBody>
-      </p:sp>
-      <p:sp>
-        <p:nvSpPr>
-          <p:cNvPr id="7" name="화살표: 오각형 6">
-            <a:extLst>
-              <a:ext uri="{FF2B5EF4-FFF2-40B4-BE49-F238E27FC236}">
-                <a16:creationId xmlns:a16="http://schemas.microsoft.com/office/drawing/2014/main" id="{BA1366C6-13D3-4AC1-9879-C56C6D97B2CE}"/>
-              </a:ext>
-            </a:extLst>
-          </p:cNvPr>
-          <p:cNvSpPr/>
-          <p:nvPr/>
-        </p:nvSpPr>
-        <p:spPr>
-          <a:xfrm>
-            <a:off x="6194749" y="1258955"/>
-            <a:ext cx="2827953" cy="1761638"/>
-          </a:xfrm>
-          <a:prstGeom prst="homePlate">
-            <a:avLst/>
-          </a:prstGeom>
-          <a:ln w="38100"/>
-        </p:spPr>
-        <p:style>
-          <a:lnRef idx="2">
-            <a:schemeClr val="accent6"/>
-          </a:lnRef>
-          <a:fillRef idx="1">
-            <a:schemeClr val="lt1"/>
-          </a:fillRef>
-          <a:effectRef idx="0">
-            <a:schemeClr val="accent6"/>
-          </a:effectRef>
-          <a:fontRef idx="minor">
-            <a:schemeClr val="dk1"/>
-          </a:fontRef>
-        </p:style>
-        <p:txBody>
-          <a:bodyPr rtlCol="0" anchor="ctr"/>
-          <a:lstStyle/>
-          <a:p>
-            <a:pPr algn="ctr"/>
-            <a:r>
-              <a:rPr kumimoji="1" lang="ko-KR" altLang="en-US" b="1" dirty="0" err="1">
-                <a:solidFill>
-                  <a:schemeClr val="tx1"/>
-                </a:solidFill>
-              </a:rPr>
-              <a:t>그래피컬</a:t>
-            </a:r>
-            <a:r>
-              <a:rPr kumimoji="1" lang="ko-KR" altLang="en-US" b="1" dirty="0">
-                <a:solidFill>
-                  <a:schemeClr val="tx1"/>
-                </a:solidFill>
-              </a:rPr>
-              <a:t> </a:t>
-            </a:r>
-            <a:r>
-              <a:rPr kumimoji="1" lang="ko-KR" altLang="en-US" b="1" dirty="0" err="1">
-                <a:solidFill>
-                  <a:schemeClr val="tx1"/>
-                </a:solidFill>
-              </a:rPr>
-              <a:t>라소</a:t>
-            </a:r>
-            <a:r>
-              <a:rPr kumimoji="1" lang="ko-KR" altLang="en-US" b="1" dirty="0">
-                <a:solidFill>
-                  <a:schemeClr val="tx1"/>
-                </a:solidFill>
-              </a:rPr>
-              <a:t> </a:t>
-            </a:r>
-            <a:r>
-              <a:rPr kumimoji="1" lang="en-US" altLang="ko-KR" b="1" dirty="0">
-                <a:solidFill>
-                  <a:schemeClr val="tx1"/>
-                </a:solidFill>
-              </a:rPr>
-              <a:t>(</a:t>
-            </a:r>
-            <a:r>
-              <a:rPr kumimoji="1" lang="ko-KR" altLang="en-US" b="1" dirty="0">
-                <a:solidFill>
-                  <a:schemeClr val="tx1"/>
-                </a:solidFill>
-              </a:rPr>
-              <a:t>구조분석</a:t>
-            </a:r>
-            <a:r>
-              <a:rPr kumimoji="1" lang="en-US" altLang="ko-KR" b="1" dirty="0">
-                <a:solidFill>
-                  <a:schemeClr val="tx1"/>
-                </a:solidFill>
-              </a:rPr>
-              <a:t>)</a:t>
-            </a:r>
-          </a:p>
-        </p:txBody>
-      </p:sp>
-      <p:sp>
-        <p:nvSpPr>
-          <p:cNvPr id="8" name="화살표: 오각형 7">
-            <a:extLst>
-              <a:ext uri="{FF2B5EF4-FFF2-40B4-BE49-F238E27FC236}">
-                <a16:creationId xmlns:a16="http://schemas.microsoft.com/office/drawing/2014/main" id="{09C69E85-E575-449F-8CD9-780B602085BC}"/>
-              </a:ext>
-            </a:extLst>
-          </p:cNvPr>
-          <p:cNvSpPr/>
-          <p:nvPr/>
-        </p:nvSpPr>
-        <p:spPr>
-          <a:xfrm>
-            <a:off x="220825" y="3522598"/>
-            <a:ext cx="2059733" cy="1761638"/>
-          </a:xfrm>
-          <a:prstGeom prst="homePlate">
-            <a:avLst/>
-          </a:prstGeom>
-          <a:ln w="38100"/>
-        </p:spPr>
-        <p:style>
-          <a:lnRef idx="2">
-            <a:schemeClr val="accent6"/>
-          </a:lnRef>
-          <a:fillRef idx="1">
-            <a:schemeClr val="lt1"/>
-          </a:fillRef>
-          <a:effectRef idx="0">
-            <a:schemeClr val="accent6"/>
-          </a:effectRef>
-          <a:fontRef idx="minor">
-            <a:schemeClr val="dk1"/>
-          </a:fontRef>
-        </p:style>
-        <p:txBody>
-          <a:bodyPr rtlCol="0" anchor="ctr"/>
-          <a:lstStyle/>
-          <a:p>
-            <a:pPr algn="ctr"/>
-            <a:r>
-              <a:rPr kumimoji="1" lang="ko-KR" altLang="en-US" b="1" dirty="0">
-                <a:solidFill>
-                  <a:schemeClr val="tx1"/>
-                </a:solidFill>
-              </a:rPr>
-              <a:t>요인 분석</a:t>
-            </a:r>
-            <a:endParaRPr kumimoji="1" lang="en-US" altLang="ko-KR" b="1" dirty="0">
-              <a:solidFill>
-                <a:schemeClr val="tx1"/>
-              </a:solidFill>
-            </a:endParaRPr>
-          </a:p>
-          <a:p>
-            <a:pPr algn="ctr"/>
-            <a:r>
-              <a:rPr kumimoji="1" lang="en-US" altLang="ko-KR" b="1" dirty="0">
-                <a:solidFill>
-                  <a:schemeClr val="tx1"/>
-                </a:solidFill>
-              </a:rPr>
-              <a:t>(factor analysis)</a:t>
-            </a:r>
-          </a:p>
-        </p:txBody>
-      </p:sp>
-      <p:sp>
-        <p:nvSpPr>
-          <p:cNvPr id="9" name="화살표: 오각형 8">
-            <a:extLst>
-              <a:ext uri="{FF2B5EF4-FFF2-40B4-BE49-F238E27FC236}">
-                <a16:creationId xmlns:a16="http://schemas.microsoft.com/office/drawing/2014/main" id="{CDFD8C27-AACE-4003-B57E-1E782D83F98E}"/>
-              </a:ext>
-            </a:extLst>
-          </p:cNvPr>
-          <p:cNvSpPr/>
-          <p:nvPr/>
-        </p:nvSpPr>
-        <p:spPr>
-          <a:xfrm>
-            <a:off x="2491273" y="3522598"/>
-            <a:ext cx="2059733" cy="1761638"/>
-          </a:xfrm>
-          <a:prstGeom prst="homePlate">
-            <a:avLst/>
-          </a:prstGeom>
-          <a:ln w="38100"/>
-        </p:spPr>
-        <p:style>
-          <a:lnRef idx="2">
-            <a:schemeClr val="accent6"/>
-          </a:lnRef>
-          <a:fillRef idx="1">
-            <a:schemeClr val="lt1"/>
-          </a:fillRef>
-          <a:effectRef idx="0">
-            <a:schemeClr val="accent6"/>
-          </a:effectRef>
-          <a:fontRef idx="minor">
-            <a:schemeClr val="dk1"/>
-          </a:fontRef>
-        </p:style>
-        <p:txBody>
-          <a:bodyPr rtlCol="0" anchor="ctr"/>
-          <a:lstStyle/>
-          <a:p>
-            <a:pPr algn="ctr"/>
-            <a:r>
-              <a:rPr kumimoji="1" lang="ko-KR" altLang="en-US" b="1" dirty="0">
-                <a:solidFill>
-                  <a:schemeClr val="tx1"/>
-                </a:solidFill>
-              </a:rPr>
-              <a:t>클러스터 분석</a:t>
-            </a:r>
-            <a:endParaRPr kumimoji="1" lang="en-US" altLang="ko-KR" b="1" dirty="0">
-              <a:solidFill>
-                <a:schemeClr val="tx1"/>
-              </a:solidFill>
-            </a:endParaRPr>
-          </a:p>
-          <a:p>
-            <a:pPr algn="ctr"/>
-            <a:r>
-              <a:rPr kumimoji="1" lang="en-US" altLang="ko-KR" b="1" dirty="0">
-                <a:solidFill>
-                  <a:schemeClr val="tx1"/>
-                </a:solidFill>
-              </a:rPr>
-              <a:t>(clustering)</a:t>
-            </a:r>
-          </a:p>
-        </p:txBody>
-      </p:sp>
-      <p:sp>
-        <p:nvSpPr>
-          <p:cNvPr id="10" name="화살표: 오각형 9">
-            <a:extLst>
-              <a:ext uri="{FF2B5EF4-FFF2-40B4-BE49-F238E27FC236}">
-                <a16:creationId xmlns:a16="http://schemas.microsoft.com/office/drawing/2014/main" id="{464E041F-7469-41BB-812C-CC5118823443}"/>
-              </a:ext>
-            </a:extLst>
-          </p:cNvPr>
-          <p:cNvSpPr/>
-          <p:nvPr/>
-        </p:nvSpPr>
-        <p:spPr>
-          <a:xfrm>
-            <a:off x="4705739" y="3522598"/>
-            <a:ext cx="2059733" cy="1761638"/>
-          </a:xfrm>
-          <a:prstGeom prst="homePlate">
-            <a:avLst/>
-          </a:prstGeom>
-          <a:ln w="38100"/>
-        </p:spPr>
-        <p:style>
-          <a:lnRef idx="2">
-            <a:schemeClr val="accent6"/>
-          </a:lnRef>
-          <a:fillRef idx="1">
-            <a:schemeClr val="lt1"/>
-          </a:fillRef>
-          <a:effectRef idx="0">
-            <a:schemeClr val="accent6"/>
-          </a:effectRef>
-          <a:fontRef idx="minor">
-            <a:schemeClr val="dk1"/>
-          </a:fontRef>
-        </p:style>
-        <p:txBody>
-          <a:bodyPr rtlCol="0" anchor="ctr"/>
-          <a:lstStyle/>
-          <a:p>
-            <a:pPr algn="ctr"/>
-            <a:r>
-              <a:rPr kumimoji="1" lang="ko-KR" altLang="en-US" b="1" dirty="0">
-                <a:solidFill>
-                  <a:schemeClr val="tx1"/>
-                </a:solidFill>
-              </a:rPr>
-              <a:t>모델을 통한</a:t>
-            </a:r>
-            <a:endParaRPr kumimoji="1" lang="en-US" altLang="ko-KR" b="1" dirty="0">
-              <a:solidFill>
-                <a:schemeClr val="tx1"/>
-              </a:solidFill>
-            </a:endParaRPr>
-          </a:p>
-          <a:p>
-            <a:pPr algn="ctr"/>
-            <a:r>
-              <a:rPr kumimoji="1" lang="ko-KR" altLang="en-US" b="1" dirty="0">
-                <a:solidFill>
-                  <a:schemeClr val="tx1"/>
-                </a:solidFill>
-              </a:rPr>
-              <a:t>요인의 영향도</a:t>
-            </a:r>
-            <a:endParaRPr kumimoji="1" lang="en-US" altLang="ko-KR" b="1" dirty="0">
-              <a:solidFill>
-                <a:schemeClr val="tx1"/>
-              </a:solidFill>
-            </a:endParaRPr>
           </a:p>
         </p:txBody>
       </p:sp>
@@ -17554,7 +17274,7 @@
         </p:nvSpPr>
         <p:spPr>
           <a:xfrm>
-            <a:off x="6962969" y="3522598"/>
+            <a:off x="6945282" y="2732687"/>
             <a:ext cx="2059733" cy="1761638"/>
           </a:xfrm>
           <a:prstGeom prst="roundRect">
@@ -17604,6 +17324,654 @@
                 <a:schemeClr val="tx1"/>
               </a:solidFill>
             </a:endParaRPr>
+          </a:p>
+        </p:txBody>
+      </p:sp>
+      <p:sp>
+        <p:nvSpPr>
+          <p:cNvPr id="8" name="사각형: 둥근 모서리 7">
+            <a:extLst>
+              <a:ext uri="{FF2B5EF4-FFF2-40B4-BE49-F238E27FC236}">
+                <a16:creationId xmlns:a16="http://schemas.microsoft.com/office/drawing/2014/main" id="{09C69E85-E575-449F-8CD9-780B602085BC}"/>
+              </a:ext>
+            </a:extLst>
+          </p:cNvPr>
+          <p:cNvSpPr/>
+          <p:nvPr/>
+        </p:nvSpPr>
+        <p:spPr>
+          <a:xfrm>
+            <a:off x="4381696" y="2282800"/>
+            <a:ext cx="1748516" cy="1210810"/>
+          </a:xfrm>
+          <a:prstGeom prst="roundRect">
+            <a:avLst/>
+          </a:prstGeom>
+          <a:ln w="38100">
+            <a:solidFill>
+              <a:schemeClr val="accent6">
+                <a:lumMod val="40000"/>
+                <a:lumOff val="60000"/>
+              </a:schemeClr>
+            </a:solidFill>
+          </a:ln>
+        </p:spPr>
+        <p:style>
+          <a:lnRef idx="2">
+            <a:schemeClr val="accent6"/>
+          </a:lnRef>
+          <a:fillRef idx="1">
+            <a:schemeClr val="lt1"/>
+          </a:fillRef>
+          <a:effectRef idx="0">
+            <a:schemeClr val="accent6"/>
+          </a:effectRef>
+          <a:fontRef idx="minor">
+            <a:schemeClr val="dk1"/>
+          </a:fontRef>
+        </p:style>
+        <p:txBody>
+          <a:bodyPr rtlCol="0" anchor="ctr"/>
+          <a:lstStyle/>
+          <a:p>
+            <a:pPr algn="ctr"/>
+            <a:endParaRPr kumimoji="1" lang="en-US" altLang="ko-KR" b="1" dirty="0">
+              <a:solidFill>
+                <a:schemeClr val="tx1"/>
+              </a:solidFill>
+            </a:endParaRPr>
+          </a:p>
+          <a:p>
+            <a:pPr algn="ctr"/>
+            <a:r>
+              <a:rPr kumimoji="1" lang="ko-KR" altLang="en-US" b="1" dirty="0">
+                <a:solidFill>
+                  <a:schemeClr val="tx1"/>
+                </a:solidFill>
+              </a:rPr>
+              <a:t>요인 분석</a:t>
+            </a:r>
+            <a:endParaRPr kumimoji="1" lang="en-US" altLang="ko-KR" b="1" dirty="0">
+              <a:solidFill>
+                <a:schemeClr val="tx1"/>
+              </a:solidFill>
+            </a:endParaRPr>
+          </a:p>
+          <a:p>
+            <a:pPr algn="ctr"/>
+            <a:r>
+              <a:rPr kumimoji="1" lang="en-US" altLang="ko-KR" b="1" dirty="0">
+                <a:solidFill>
+                  <a:schemeClr val="tx1"/>
+                </a:solidFill>
+              </a:rPr>
+              <a:t>(factor analysis)</a:t>
+            </a:r>
+          </a:p>
+          <a:p>
+            <a:pPr algn="ctr"/>
+            <a:endParaRPr kumimoji="1" lang="en-US" altLang="ko-KR" b="1" dirty="0">
+              <a:solidFill>
+                <a:schemeClr val="tx1"/>
+              </a:solidFill>
+            </a:endParaRPr>
+          </a:p>
+        </p:txBody>
+      </p:sp>
+      <p:sp>
+        <p:nvSpPr>
+          <p:cNvPr id="9" name="사각형: 둥근 모서리 8">
+            <a:extLst>
+              <a:ext uri="{FF2B5EF4-FFF2-40B4-BE49-F238E27FC236}">
+                <a16:creationId xmlns:a16="http://schemas.microsoft.com/office/drawing/2014/main" id="{CDFD8C27-AACE-4003-B57E-1E782D83F98E}"/>
+              </a:ext>
+            </a:extLst>
+          </p:cNvPr>
+          <p:cNvSpPr/>
+          <p:nvPr/>
+        </p:nvSpPr>
+        <p:spPr>
+          <a:xfrm>
+            <a:off x="4381696" y="3718940"/>
+            <a:ext cx="1748516" cy="1210810"/>
+          </a:xfrm>
+          <a:prstGeom prst="roundRect">
+            <a:avLst/>
+          </a:prstGeom>
+          <a:ln w="38100">
+            <a:solidFill>
+              <a:schemeClr val="accent6">
+                <a:lumMod val="40000"/>
+                <a:lumOff val="60000"/>
+              </a:schemeClr>
+            </a:solidFill>
+          </a:ln>
+        </p:spPr>
+        <p:style>
+          <a:lnRef idx="2">
+            <a:schemeClr val="accent6"/>
+          </a:lnRef>
+          <a:fillRef idx="1">
+            <a:schemeClr val="lt1"/>
+          </a:fillRef>
+          <a:effectRef idx="0">
+            <a:schemeClr val="accent6"/>
+          </a:effectRef>
+          <a:fontRef idx="minor">
+            <a:schemeClr val="dk1"/>
+          </a:fontRef>
+        </p:style>
+        <p:txBody>
+          <a:bodyPr rtlCol="0" anchor="ctr"/>
+          <a:lstStyle/>
+          <a:p>
+            <a:pPr algn="ctr"/>
+            <a:r>
+              <a:rPr kumimoji="1" lang="ko-KR" altLang="en-US" b="1" dirty="0">
+                <a:solidFill>
+                  <a:schemeClr val="tx1"/>
+                </a:solidFill>
+              </a:rPr>
+              <a:t>클러스터 분석</a:t>
+            </a:r>
+            <a:endParaRPr kumimoji="1" lang="en-US" altLang="ko-KR" b="1" dirty="0">
+              <a:solidFill>
+                <a:schemeClr val="tx1"/>
+              </a:solidFill>
+            </a:endParaRPr>
+          </a:p>
+          <a:p>
+            <a:pPr algn="ctr"/>
+            <a:r>
+              <a:rPr kumimoji="1" lang="en-US" altLang="ko-KR" b="1" dirty="0">
+                <a:solidFill>
+                  <a:schemeClr val="tx1"/>
+                </a:solidFill>
+              </a:rPr>
+              <a:t>(clustering)</a:t>
+            </a:r>
+          </a:p>
+        </p:txBody>
+      </p:sp>
+      <p:sp>
+        <p:nvSpPr>
+          <p:cNvPr id="10" name="사각형: 둥근 모서리 9">
+            <a:extLst>
+              <a:ext uri="{FF2B5EF4-FFF2-40B4-BE49-F238E27FC236}">
+                <a16:creationId xmlns:a16="http://schemas.microsoft.com/office/drawing/2014/main" id="{464E041F-7469-41BB-812C-CC5118823443}"/>
+              </a:ext>
+            </a:extLst>
+          </p:cNvPr>
+          <p:cNvSpPr/>
+          <p:nvPr/>
+        </p:nvSpPr>
+        <p:spPr>
+          <a:xfrm>
+            <a:off x="4381696" y="5145541"/>
+            <a:ext cx="1748516" cy="1210810"/>
+          </a:xfrm>
+          <a:prstGeom prst="roundRect">
+            <a:avLst/>
+          </a:prstGeom>
+          <a:ln w="38100">
+            <a:solidFill>
+              <a:schemeClr val="accent6">
+                <a:lumMod val="40000"/>
+                <a:lumOff val="60000"/>
+              </a:schemeClr>
+            </a:solidFill>
+          </a:ln>
+        </p:spPr>
+        <p:style>
+          <a:lnRef idx="2">
+            <a:schemeClr val="accent6"/>
+          </a:lnRef>
+          <a:fillRef idx="1">
+            <a:schemeClr val="lt1"/>
+          </a:fillRef>
+          <a:effectRef idx="0">
+            <a:schemeClr val="accent6"/>
+          </a:effectRef>
+          <a:fontRef idx="minor">
+            <a:schemeClr val="dk1"/>
+          </a:fontRef>
+        </p:style>
+        <p:txBody>
+          <a:bodyPr rtlCol="0" anchor="ctr"/>
+          <a:lstStyle/>
+          <a:p>
+            <a:pPr algn="ctr"/>
+            <a:r>
+              <a:rPr kumimoji="1" lang="ko-KR" altLang="en-US" b="1" dirty="0">
+                <a:solidFill>
+                  <a:schemeClr val="tx1"/>
+                </a:solidFill>
+              </a:rPr>
+              <a:t>모델을 통한</a:t>
+            </a:r>
+            <a:endParaRPr kumimoji="1" lang="en-US" altLang="ko-KR" b="1" dirty="0">
+              <a:solidFill>
+                <a:schemeClr val="tx1"/>
+              </a:solidFill>
+            </a:endParaRPr>
+          </a:p>
+          <a:p>
+            <a:pPr algn="ctr"/>
+            <a:r>
+              <a:rPr kumimoji="1" lang="ko-KR" altLang="en-US" b="1" dirty="0">
+                <a:solidFill>
+                  <a:schemeClr val="tx1"/>
+                </a:solidFill>
+              </a:rPr>
+              <a:t>요인의 영향도</a:t>
+            </a:r>
+            <a:endParaRPr kumimoji="1" lang="en-US" altLang="ko-KR" b="1" dirty="0">
+              <a:solidFill>
+                <a:schemeClr val="tx1"/>
+              </a:solidFill>
+            </a:endParaRPr>
+          </a:p>
+        </p:txBody>
+      </p:sp>
+      <p:sp>
+        <p:nvSpPr>
+          <p:cNvPr id="12" name="사각형: 둥근 모서리 11">
+            <a:extLst>
+              <a:ext uri="{FF2B5EF4-FFF2-40B4-BE49-F238E27FC236}">
+                <a16:creationId xmlns:a16="http://schemas.microsoft.com/office/drawing/2014/main" id="{7FAFF75D-5813-4DAF-B274-BDB8389AB60F}"/>
+              </a:ext>
+            </a:extLst>
+          </p:cNvPr>
+          <p:cNvSpPr/>
+          <p:nvPr/>
+        </p:nvSpPr>
+        <p:spPr>
+          <a:xfrm>
+            <a:off x="4381696" y="840014"/>
+            <a:ext cx="1748516" cy="1210810"/>
+          </a:xfrm>
+          <a:prstGeom prst="roundRect">
+            <a:avLst/>
+          </a:prstGeom>
+          <a:ln w="38100">
+            <a:solidFill>
+              <a:schemeClr val="accent6">
+                <a:lumMod val="40000"/>
+                <a:lumOff val="60000"/>
+              </a:schemeClr>
+            </a:solidFill>
+          </a:ln>
+        </p:spPr>
+        <p:style>
+          <a:lnRef idx="2">
+            <a:schemeClr val="accent6"/>
+          </a:lnRef>
+          <a:fillRef idx="1">
+            <a:schemeClr val="lt1"/>
+          </a:fillRef>
+          <a:effectRef idx="0">
+            <a:schemeClr val="accent6"/>
+          </a:effectRef>
+          <a:fontRef idx="minor">
+            <a:schemeClr val="dk1"/>
+          </a:fontRef>
+        </p:style>
+        <p:txBody>
+          <a:bodyPr rtlCol="0" anchor="ctr"/>
+          <a:lstStyle/>
+          <a:p>
+            <a:pPr algn="ctr"/>
+            <a:r>
+              <a:rPr kumimoji="1" lang="ko-KR" altLang="en-US" b="1" dirty="0" err="1">
+                <a:solidFill>
+                  <a:schemeClr val="tx1"/>
+                </a:solidFill>
+              </a:rPr>
+              <a:t>그래피컬라소</a:t>
+            </a:r>
+            <a:r>
+              <a:rPr kumimoji="1" lang="ko-KR" altLang="en-US" b="1" dirty="0">
+                <a:solidFill>
+                  <a:schemeClr val="tx1"/>
+                </a:solidFill>
+              </a:rPr>
+              <a:t> </a:t>
+            </a:r>
+            <a:endParaRPr kumimoji="1" lang="en-US" altLang="ko-KR" b="1" dirty="0">
+              <a:solidFill>
+                <a:schemeClr val="tx1"/>
+              </a:solidFill>
+            </a:endParaRPr>
+          </a:p>
+          <a:p>
+            <a:pPr algn="ctr"/>
+            <a:r>
+              <a:rPr kumimoji="1" lang="en-US" altLang="ko-KR" b="1" dirty="0">
+                <a:solidFill>
+                  <a:schemeClr val="tx1"/>
+                </a:solidFill>
+              </a:rPr>
+              <a:t>(</a:t>
+            </a:r>
+            <a:r>
+              <a:rPr kumimoji="1" lang="ko-KR" altLang="en-US" b="1" dirty="0">
+                <a:solidFill>
+                  <a:schemeClr val="tx1"/>
+                </a:solidFill>
+              </a:rPr>
+              <a:t>구조분석</a:t>
+            </a:r>
+            <a:r>
+              <a:rPr kumimoji="1" lang="en-US" altLang="ko-KR" b="1" dirty="0">
+                <a:solidFill>
+                  <a:schemeClr val="tx1"/>
+                </a:solidFill>
+              </a:rPr>
+              <a:t>)</a:t>
+            </a:r>
+          </a:p>
+        </p:txBody>
+      </p:sp>
+      <p:sp>
+        <p:nvSpPr>
+          <p:cNvPr id="13" name="사각형: 둥근 모서리 12">
+            <a:extLst>
+              <a:ext uri="{FF2B5EF4-FFF2-40B4-BE49-F238E27FC236}">
+                <a16:creationId xmlns:a16="http://schemas.microsoft.com/office/drawing/2014/main" id="{583E9403-E077-4BC2-81FC-05DAFD1FF3B6}"/>
+              </a:ext>
+            </a:extLst>
+          </p:cNvPr>
+          <p:cNvSpPr/>
+          <p:nvPr/>
+        </p:nvSpPr>
+        <p:spPr>
+          <a:xfrm>
+            <a:off x="2270253" y="2857451"/>
+            <a:ext cx="1545385" cy="1466894"/>
+          </a:xfrm>
+          <a:prstGeom prst="roundRect">
+            <a:avLst/>
+          </a:prstGeom>
+          <a:ln w="38100">
+            <a:solidFill>
+              <a:schemeClr val="accent6">
+                <a:lumMod val="40000"/>
+                <a:lumOff val="60000"/>
+              </a:schemeClr>
+            </a:solidFill>
+          </a:ln>
+        </p:spPr>
+        <p:style>
+          <a:lnRef idx="2">
+            <a:schemeClr val="accent6"/>
+          </a:lnRef>
+          <a:fillRef idx="1">
+            <a:schemeClr val="lt1"/>
+          </a:fillRef>
+          <a:effectRef idx="0">
+            <a:schemeClr val="accent6"/>
+          </a:effectRef>
+          <a:fontRef idx="minor">
+            <a:schemeClr val="dk1"/>
+          </a:fontRef>
+        </p:style>
+        <p:txBody>
+          <a:bodyPr rtlCol="0" anchor="ctr"/>
+          <a:lstStyle/>
+          <a:p>
+            <a:pPr algn="ctr"/>
+            <a:r>
+              <a:rPr kumimoji="1" lang="ko-KR" altLang="en-US" b="1" dirty="0">
+                <a:solidFill>
+                  <a:schemeClr val="tx1"/>
+                </a:solidFill>
+              </a:rPr>
+              <a:t>기초분석</a:t>
+            </a:r>
+            <a:endParaRPr kumimoji="1" lang="en-US" altLang="ko-KR" b="1" dirty="0">
+              <a:solidFill>
+                <a:schemeClr val="tx1"/>
+              </a:solidFill>
+            </a:endParaRPr>
+          </a:p>
+          <a:p>
+            <a:pPr algn="ctr"/>
+            <a:r>
+              <a:rPr kumimoji="1" lang="en-US" altLang="ko-KR" b="1" dirty="0">
+                <a:solidFill>
+                  <a:schemeClr val="tx1"/>
+                </a:solidFill>
+              </a:rPr>
+              <a:t>(T-test, </a:t>
+            </a:r>
+            <a:r>
+              <a:rPr kumimoji="1" lang="ko-KR" altLang="en-US" b="1" dirty="0">
+                <a:solidFill>
+                  <a:schemeClr val="tx1"/>
+                </a:solidFill>
+              </a:rPr>
+              <a:t>상관분석</a:t>
+            </a:r>
+            <a:r>
+              <a:rPr kumimoji="1" lang="en-US" altLang="ko-KR" b="1" dirty="0">
+                <a:solidFill>
+                  <a:schemeClr val="tx1"/>
+                </a:solidFill>
+              </a:rPr>
+              <a:t>)</a:t>
+            </a:r>
+          </a:p>
+        </p:txBody>
+      </p:sp>
+      <p:sp>
+        <p:nvSpPr>
+          <p:cNvPr id="14" name="사각형: 둥근 모서리 13">
+            <a:extLst>
+              <a:ext uri="{FF2B5EF4-FFF2-40B4-BE49-F238E27FC236}">
+                <a16:creationId xmlns:a16="http://schemas.microsoft.com/office/drawing/2014/main" id="{BF6429CE-2E16-4433-8442-15A916EC265D}"/>
+              </a:ext>
+            </a:extLst>
+          </p:cNvPr>
+          <p:cNvSpPr/>
+          <p:nvPr/>
+        </p:nvSpPr>
+        <p:spPr>
+          <a:xfrm>
+            <a:off x="225100" y="2880059"/>
+            <a:ext cx="1545385" cy="1466894"/>
+          </a:xfrm>
+          <a:prstGeom prst="roundRect">
+            <a:avLst/>
+          </a:prstGeom>
+          <a:ln w="38100">
+            <a:solidFill>
+              <a:schemeClr val="accent6">
+                <a:lumMod val="40000"/>
+                <a:lumOff val="60000"/>
+              </a:schemeClr>
+            </a:solidFill>
+          </a:ln>
+        </p:spPr>
+        <p:style>
+          <a:lnRef idx="2">
+            <a:schemeClr val="accent6"/>
+          </a:lnRef>
+          <a:fillRef idx="1">
+            <a:schemeClr val="lt1"/>
+          </a:fillRef>
+          <a:effectRef idx="0">
+            <a:schemeClr val="accent6"/>
+          </a:effectRef>
+          <a:fontRef idx="minor">
+            <a:schemeClr val="dk1"/>
+          </a:fontRef>
+        </p:style>
+        <p:txBody>
+          <a:bodyPr rtlCol="0" anchor="ctr"/>
+          <a:lstStyle/>
+          <a:p>
+            <a:pPr algn="ctr"/>
+            <a:r>
+              <a:rPr kumimoji="1" lang="ko-KR" altLang="en-US" b="1" dirty="0">
+                <a:solidFill>
+                  <a:schemeClr val="tx1"/>
+                </a:solidFill>
+              </a:rPr>
+              <a:t>데이터 </a:t>
+            </a:r>
+            <a:r>
+              <a:rPr kumimoji="1" lang="ko-KR" altLang="en-US" b="1" dirty="0" err="1">
+                <a:solidFill>
+                  <a:schemeClr val="tx1"/>
+                </a:solidFill>
+              </a:rPr>
+              <a:t>전처리</a:t>
+            </a:r>
+            <a:r>
+              <a:rPr kumimoji="1" lang="ko-KR" altLang="en-US" b="1" dirty="0">
+                <a:solidFill>
+                  <a:schemeClr val="tx1"/>
+                </a:solidFill>
+              </a:rPr>
+              <a:t> 및 스케일링</a:t>
+            </a:r>
+            <a:endParaRPr kumimoji="1" lang="ja-JP" altLang="en-US" b="1" dirty="0">
+              <a:solidFill>
+                <a:schemeClr val="tx1"/>
+              </a:solidFill>
+            </a:endParaRPr>
+          </a:p>
+        </p:txBody>
+      </p:sp>
+      <p:sp>
+        <p:nvSpPr>
+          <p:cNvPr id="15" name="화살표: 오른쪽 14">
+            <a:extLst>
+              <a:ext uri="{FF2B5EF4-FFF2-40B4-BE49-F238E27FC236}">
+                <a16:creationId xmlns:a16="http://schemas.microsoft.com/office/drawing/2014/main" id="{C46A2F6C-B900-4F8D-8357-0193CEC5D984}"/>
+              </a:ext>
+            </a:extLst>
+          </p:cNvPr>
+          <p:cNvSpPr/>
+          <p:nvPr/>
+        </p:nvSpPr>
+        <p:spPr>
+          <a:xfrm>
+            <a:off x="1846684" y="3462626"/>
+            <a:ext cx="345232" cy="369012"/>
+          </a:xfrm>
+          <a:prstGeom prst="rightArrow">
+            <a:avLst/>
+          </a:prstGeom>
+        </p:spPr>
+        <p:style>
+          <a:lnRef idx="1">
+            <a:schemeClr val="accent6"/>
+          </a:lnRef>
+          <a:fillRef idx="2">
+            <a:schemeClr val="accent6"/>
+          </a:fillRef>
+          <a:effectRef idx="1">
+            <a:schemeClr val="accent6"/>
+          </a:effectRef>
+          <a:fontRef idx="minor">
+            <a:schemeClr val="dk1"/>
+          </a:fontRef>
+        </p:style>
+        <p:txBody>
+          <a:bodyPr rtlCol="0" anchor="ctr"/>
+          <a:lstStyle/>
+          <a:p>
+            <a:pPr algn="ctr"/>
+            <a:endParaRPr kumimoji="1" lang="ja-JP" altLang="en-US"/>
+          </a:p>
+        </p:txBody>
+      </p:sp>
+      <p:sp>
+        <p:nvSpPr>
+          <p:cNvPr id="20" name="화살표: 오른쪽 19">
+            <a:extLst>
+              <a:ext uri="{FF2B5EF4-FFF2-40B4-BE49-F238E27FC236}">
+                <a16:creationId xmlns:a16="http://schemas.microsoft.com/office/drawing/2014/main" id="{6EBC69C5-39E1-4DA1-9379-5F6BF379718C}"/>
+              </a:ext>
+            </a:extLst>
+          </p:cNvPr>
+          <p:cNvSpPr/>
+          <p:nvPr/>
+        </p:nvSpPr>
+        <p:spPr>
+          <a:xfrm>
+            <a:off x="3913028" y="3429000"/>
+            <a:ext cx="345232" cy="369012"/>
+          </a:xfrm>
+          <a:prstGeom prst="rightArrow">
+            <a:avLst/>
+          </a:prstGeom>
+        </p:spPr>
+        <p:style>
+          <a:lnRef idx="1">
+            <a:schemeClr val="accent6"/>
+          </a:lnRef>
+          <a:fillRef idx="2">
+            <a:schemeClr val="accent6"/>
+          </a:fillRef>
+          <a:effectRef idx="1">
+            <a:schemeClr val="accent6"/>
+          </a:effectRef>
+          <a:fontRef idx="minor">
+            <a:schemeClr val="dk1"/>
+          </a:fontRef>
+        </p:style>
+        <p:txBody>
+          <a:bodyPr rtlCol="0" anchor="ctr"/>
+          <a:lstStyle/>
+          <a:p>
+            <a:pPr algn="ctr"/>
+            <a:endParaRPr kumimoji="1" lang="ja-JP" altLang="en-US"/>
+          </a:p>
+        </p:txBody>
+      </p:sp>
+      <p:sp>
+        <p:nvSpPr>
+          <p:cNvPr id="21" name="화살표: 오른쪽 20">
+            <a:extLst>
+              <a:ext uri="{FF2B5EF4-FFF2-40B4-BE49-F238E27FC236}">
+                <a16:creationId xmlns:a16="http://schemas.microsoft.com/office/drawing/2014/main" id="{1E3A9D77-60C4-4B53-88F5-2A33FFFE5766}"/>
+              </a:ext>
+            </a:extLst>
+          </p:cNvPr>
+          <p:cNvSpPr/>
+          <p:nvPr/>
+        </p:nvSpPr>
+        <p:spPr>
+          <a:xfrm>
+            <a:off x="6303413" y="3429000"/>
+            <a:ext cx="345232" cy="369012"/>
+          </a:xfrm>
+          <a:prstGeom prst="rightArrow">
+            <a:avLst/>
+          </a:prstGeom>
+        </p:spPr>
+        <p:style>
+          <a:lnRef idx="1">
+            <a:schemeClr val="accent6"/>
+          </a:lnRef>
+          <a:fillRef idx="2">
+            <a:schemeClr val="accent6"/>
+          </a:fillRef>
+          <a:effectRef idx="1">
+            <a:schemeClr val="accent6"/>
+          </a:effectRef>
+          <a:fontRef idx="minor">
+            <a:schemeClr val="dk1"/>
+          </a:fontRef>
+        </p:style>
+        <p:txBody>
+          <a:bodyPr rtlCol="0" anchor="ctr"/>
+          <a:lstStyle/>
+          <a:p>
+            <a:pPr algn="ctr"/>
+            <a:endParaRPr kumimoji="1" lang="ja-JP" altLang="en-US"/>
           </a:p>
         </p:txBody>
       </p:sp>
@@ -17919,7 +18287,7 @@
         </p:nvSpPr>
         <p:spPr>
           <a:xfrm>
-            <a:off x="0" y="1020710"/>
+            <a:off x="108916" y="769089"/>
             <a:ext cx="8926167" cy="4351338"/>
           </a:xfrm>
         </p:spPr>
@@ -17927,53 +18295,36 @@
           <a:bodyPr/>
           <a:lstStyle/>
           <a:p>
+            <a:pPr marL="0" indent="0">
+              <a:buNone/>
+            </a:pPr>
             <a:r>
               <a:rPr kumimoji="1" lang="en-US" altLang="ja-JP" dirty="0"/>
-              <a:t>T-test</a:t>
-            </a:r>
-          </a:p>
-          <a:p>
-            <a:pPr lvl="1"/>
+              <a:t> T-test</a:t>
+            </a:r>
+          </a:p>
+          <a:p>
+            <a:pPr marL="342900" lvl="1" indent="0">
+              <a:buNone/>
+            </a:pPr>
             <a:r>
               <a:rPr lang="ko-KR" altLang="en-US" dirty="0"/>
-              <a:t>두 집단의 평균이 유 의미 한지 파악</a:t>
+              <a:t>두 집단의 평균이 </a:t>
+            </a:r>
+            <a:r>
+              <a:rPr lang="ko-KR" altLang="en-US" dirty="0" err="1"/>
+              <a:t>유의미</a:t>
+            </a:r>
+            <a:r>
+              <a:rPr lang="ko-KR" altLang="en-US" dirty="0"/>
+              <a:t> 한지 파악</a:t>
             </a:r>
             <a:endParaRPr lang="en-US" altLang="ko-KR" dirty="0"/>
           </a:p>
           <a:p>
-            <a:pPr lvl="1"/>
-            <a:r>
-              <a:rPr lang="en-US" altLang="ko-KR" dirty="0"/>
-              <a:t>Skin Thickness</a:t>
-            </a:r>
-            <a:r>
-              <a:rPr lang="ko-KR" altLang="en-US" dirty="0"/>
-              <a:t>의 </a:t>
-            </a:r>
-            <a:r>
-              <a:rPr lang="en-US" altLang="ko-KR" dirty="0"/>
-              <a:t>p-value</a:t>
-            </a:r>
-            <a:r>
-              <a:rPr lang="ko-KR" altLang="en-US" dirty="0"/>
-              <a:t>는 </a:t>
-            </a:r>
-            <a:r>
-              <a:rPr lang="en-US" altLang="ko-KR" dirty="0"/>
-              <a:t>0.05</a:t>
-            </a:r>
-            <a:r>
-              <a:rPr lang="ko-KR" altLang="en-US" dirty="0"/>
-              <a:t>보다 크므로 해당 </a:t>
-            </a:r>
-            <a:r>
-              <a:rPr lang="en-US" altLang="ko-KR" dirty="0"/>
-              <a:t>feature</a:t>
-            </a:r>
-            <a:r>
-              <a:rPr lang="ko-KR" altLang="en-US" dirty="0"/>
-              <a:t>는 유 의미하지 않다</a:t>
-            </a:r>
+            <a:pPr marL="342900" lvl="1" indent="0">
+              <a:buNone/>
+            </a:pPr>
             <a:endParaRPr lang="en-US" altLang="ko-KR" dirty="0"/>
           </a:p>
           <a:p>
@@ -18033,13 +18384,13 @@
           <p:nvPr>
             <p:extLst>
               <p:ext uri="{D42A27DB-BD31-4B8C-83A1-F6EECF244321}">
-                <p14:modId xmlns:p14="http://schemas.microsoft.com/office/powerpoint/2010/main" val="2986897564"/>
+                <p14:modId xmlns:p14="http://schemas.microsoft.com/office/powerpoint/2010/main" val="879234235"/>
               </p:ext>
             </p:extLst>
           </p:nvPr>
         </p:nvGraphicFramePr>
         <p:xfrm>
-          <a:off x="870409" y="2212024"/>
+          <a:off x="870409" y="1786966"/>
           <a:ext cx="7016291" cy="4175760"/>
         </p:xfrm>
         <a:graphic>
@@ -18129,7 +18480,7 @@
                     <a:bodyPr/>
                     <a:lstStyle/>
                     <a:p>
-                      <a:pPr algn="l"/>
+                      <a:pPr algn="ctr"/>
                       <a:r>
                         <a:rPr kumimoji="1" lang="en-US" altLang="ja-JP" sz="2000" dirty="0"/>
                         <a:t>Pregnancies</a:t>
@@ -18181,7 +18532,7 @@
                     <a:bodyPr/>
                     <a:lstStyle/>
                     <a:p>
-                      <a:pPr algn="l"/>
+                      <a:pPr algn="ctr"/>
                       <a:r>
                         <a:rPr kumimoji="1" lang="en-US" altLang="ja-JP" sz="2000" dirty="0"/>
                         <a:t>Glucose</a:t>
@@ -18231,7 +18582,7 @@
                     <a:bodyPr/>
                     <a:lstStyle/>
                     <a:p>
-                      <a:pPr algn="l"/>
+                      <a:pPr algn="ctr"/>
                       <a:r>
                         <a:rPr kumimoji="1" lang="en-US" altLang="ja-JP" sz="2000" dirty="0"/>
                         <a:t>Blood Pressure</a:t>
@@ -18283,7 +18634,7 @@
                     <a:bodyPr/>
                     <a:lstStyle/>
                     <a:p>
-                      <a:pPr algn="l"/>
+                      <a:pPr algn="ctr"/>
                       <a:r>
                         <a:rPr kumimoji="1" lang="en-US" altLang="ja-JP" sz="2000" dirty="0"/>
                         <a:t>Skin Thickness</a:t>
@@ -18335,7 +18686,7 @@
                     <a:bodyPr/>
                     <a:lstStyle/>
                     <a:p>
-                      <a:pPr algn="l"/>
+                      <a:pPr algn="ctr"/>
                       <a:r>
                         <a:rPr kumimoji="1" lang="en-US" altLang="ja-JP" sz="2000" dirty="0"/>
                         <a:t>Insulin</a:t>
@@ -18387,7 +18738,7 @@
                     <a:bodyPr/>
                     <a:lstStyle/>
                     <a:p>
-                      <a:pPr algn="l"/>
+                      <a:pPr algn="ctr"/>
                       <a:r>
                         <a:rPr kumimoji="1" lang="en-US" altLang="ja-JP" sz="2000" dirty="0"/>
                         <a:t>BMI</a:t>
@@ -18439,7 +18790,7 @@
                     <a:bodyPr/>
                     <a:lstStyle/>
                     <a:p>
-                      <a:pPr algn="l"/>
+                      <a:pPr algn="ctr"/>
                       <a:r>
                         <a:rPr kumimoji="1" lang="en-US" altLang="ja-JP" sz="2000" dirty="0"/>
                         <a:t>Diabetes Pedigree Function</a:t>
@@ -18499,7 +18850,7 @@
                     <a:bodyPr/>
                     <a:lstStyle/>
                     <a:p>
-                      <a:pPr algn="l"/>
+                      <a:pPr algn="ctr"/>
                       <a:r>
                         <a:rPr kumimoji="1" lang="en-US" altLang="ja-JP" sz="2000" dirty="0"/>
                         <a:t>Age</a:t>
@@ -18549,6 +18900,141 @@
           </a:graphicData>
         </a:graphic>
       </p:graphicFrame>
+      <p:sp>
+        <p:nvSpPr>
+          <p:cNvPr id="6" name="TextBox 5">
+            <a:extLst>
+              <a:ext uri="{FF2B5EF4-FFF2-40B4-BE49-F238E27FC236}">
+                <a16:creationId xmlns:a16="http://schemas.microsoft.com/office/drawing/2014/main" id="{ABC57F36-4881-4CC2-B1FD-2C09EFB7FFF3}"/>
+              </a:ext>
+            </a:extLst>
+          </p:cNvPr>
+          <p:cNvSpPr txBox="1"/>
+          <p:nvPr/>
+        </p:nvSpPr>
+        <p:spPr>
+          <a:xfrm>
+            <a:off x="2622469" y="1469829"/>
+            <a:ext cx="5557816" cy="307777"/>
+          </a:xfrm>
+          <a:prstGeom prst="rect">
+            <a:avLst/>
+          </a:prstGeom>
+          <a:noFill/>
+        </p:spPr>
+        <p:txBody>
+          <a:bodyPr wrap="square" rtlCol="0">
+            <a:spAutoFit/>
+          </a:bodyPr>
+          <a:lstStyle/>
+          <a:p>
+            <a:r>
+              <a:rPr kumimoji="1" lang="ko-KR" altLang="en-US" sz="1400" dirty="0"/>
+              <a:t>표 </a:t>
+            </a:r>
+            <a:r>
+              <a:rPr kumimoji="1" lang="en-US" altLang="ko-KR" sz="1400" dirty="0"/>
+              <a:t>1. </a:t>
+            </a:r>
+            <a:r>
+              <a:rPr kumimoji="1" lang="en-US" altLang="ko-KR" sz="1400" dirty="0" err="1"/>
+              <a:t>pima</a:t>
+            </a:r>
+            <a:r>
+              <a:rPr kumimoji="1" lang="ko-KR" altLang="en-US" sz="1400" dirty="0"/>
+              <a:t> </a:t>
+            </a:r>
+            <a:r>
+              <a:rPr kumimoji="1" lang="en-US" altLang="ko-KR" sz="1400" dirty="0" err="1"/>
+              <a:t>indians</a:t>
+            </a:r>
+            <a:r>
+              <a:rPr kumimoji="1" lang="ko-KR" altLang="en-US" sz="1400" dirty="0"/>
+              <a:t> 대상으로 한 </a:t>
+            </a:r>
+            <a:r>
+              <a:rPr kumimoji="1" lang="en-US" altLang="ko-KR" sz="1400" dirty="0"/>
+              <a:t>t</a:t>
+            </a:r>
+            <a:r>
+              <a:rPr kumimoji="1" lang="ko-KR" altLang="en-US" sz="1400" dirty="0"/>
+              <a:t> 검정결과</a:t>
+            </a:r>
+            <a:endParaRPr kumimoji="1" lang="ja-JP" altLang="en-US" sz="1400" dirty="0"/>
+          </a:p>
+        </p:txBody>
+      </p:sp>
+      <p:sp>
+        <p:nvSpPr>
+          <p:cNvPr id="7" name="TextBox 6">
+            <a:extLst>
+              <a:ext uri="{FF2B5EF4-FFF2-40B4-BE49-F238E27FC236}">
+                <a16:creationId xmlns:a16="http://schemas.microsoft.com/office/drawing/2014/main" id="{8A834949-A713-41C4-A902-5B47539513F4}"/>
+              </a:ext>
+            </a:extLst>
+          </p:cNvPr>
+          <p:cNvSpPr txBox="1"/>
+          <p:nvPr/>
+        </p:nvSpPr>
+        <p:spPr>
+          <a:xfrm>
+            <a:off x="67647" y="6088911"/>
+            <a:ext cx="7819053" cy="1015663"/>
+          </a:xfrm>
+          <a:prstGeom prst="rect">
+            <a:avLst/>
+          </a:prstGeom>
+          <a:noFill/>
+        </p:spPr>
+        <p:txBody>
+          <a:bodyPr wrap="square" rtlCol="0">
+            <a:spAutoFit/>
+          </a:bodyPr>
+          <a:lstStyle/>
+          <a:p>
+            <a:pPr marL="285750" indent="-285750">
+              <a:buFont typeface="Wingdings" panose="05000000000000000000" pitchFamily="2" charset="2"/>
+              <a:buChar char="Ø"/>
+            </a:pPr>
+            <a:r>
+              <a:rPr lang="en-US" altLang="ko-KR" sz="2000" dirty="0"/>
+              <a:t>Skin Thickness</a:t>
+            </a:r>
+            <a:r>
+              <a:rPr lang="ko-KR" altLang="en-US" sz="2000" dirty="0"/>
+              <a:t>의 </a:t>
+            </a:r>
+            <a:r>
+              <a:rPr lang="en-US" altLang="ko-KR" sz="2000" dirty="0"/>
+              <a:t>p-value</a:t>
+            </a:r>
+            <a:r>
+              <a:rPr lang="ko-KR" altLang="en-US" sz="2000" dirty="0"/>
+              <a:t>는 </a:t>
+            </a:r>
+            <a:r>
+              <a:rPr lang="en-US" altLang="ko-KR" sz="2000" dirty="0"/>
+              <a:t>0.05</a:t>
+            </a:r>
+            <a:r>
+              <a:rPr lang="ko-KR" altLang="en-US" sz="2000" dirty="0"/>
+              <a:t>보다 크므로 해당 </a:t>
+            </a:r>
+            <a:r>
+              <a:rPr lang="en-US" altLang="ko-KR" sz="2000" dirty="0"/>
+              <a:t>feature</a:t>
+            </a:r>
+            <a:r>
+              <a:rPr lang="ko-KR" altLang="en-US" sz="2000" dirty="0"/>
+              <a:t>는 유의미하지 않음</a:t>
+            </a:r>
+            <a:endParaRPr lang="en-US" altLang="ko-KR" sz="2000" dirty="0"/>
+          </a:p>
+          <a:p>
+            <a:endParaRPr kumimoji="1" lang="ja-JP" altLang="en-US" sz="2000" dirty="0"/>
+          </a:p>
+        </p:txBody>
+      </p:sp>
     </p:spTree>
     <p:extLst>
       <p:ext uri="{BB962C8B-B14F-4D97-AF65-F5344CB8AC3E}">
@@ -18605,6 +19091,11 @@
           <a:bodyPr/>
           <a:lstStyle/>
           <a:p>
+            <a:pPr>
+              <a:lnSpc>
+                <a:spcPct val="150000"/>
+              </a:lnSpc>
+            </a:pPr>
             <a:r>
               <a:rPr kumimoji="1" lang="ko-KR" altLang="en-US" b="1" dirty="0"/>
               <a:t>기초분석</a:t>
@@ -18613,7 +19104,17 @@
               <a:rPr kumimoji="1" lang="en-US" altLang="ko-KR" b="1" dirty="0"/>
               <a:t>2</a:t>
             </a:r>
-            <a:endParaRPr kumimoji="1" lang="ja-JP" altLang="en-US" b="1" dirty="0"/>
+            <a:br>
+              <a:rPr kumimoji="1" lang="en-US" altLang="ko-KR" b="1" dirty="0"/>
+            </a:br>
+            <a:r>
+              <a:rPr kumimoji="1" lang="ko-KR" altLang="en-US" sz="1800" dirty="0">
+                <a:latin typeface="+mn-ea"/>
+                <a:ea typeface="+mn-ea"/>
+              </a:rPr>
+              <a:t>상관분석</a:t>
+            </a:r>
+            <a:endParaRPr kumimoji="1" lang="ja-JP" altLang="en-US" dirty="0"/>
           </a:p>
         </p:txBody>
       </p:sp>
@@ -18635,30 +19136,68 @@
         </p:nvSpPr>
         <p:spPr>
           <a:xfrm>
-            <a:off x="-139959" y="1487778"/>
-            <a:ext cx="4083309" cy="4351338"/>
+            <a:off x="-177281" y="555431"/>
+            <a:ext cx="4861249" cy="1325563"/>
           </a:xfrm>
         </p:spPr>
         <p:txBody>
           <a:bodyPr>
-            <a:normAutofit/>
+            <a:normAutofit fontScale="92500" lnSpcReduction="10000"/>
           </a:bodyPr>
           <a:lstStyle/>
           <a:p>
-            <a:pPr lvl="1">
+            <a:pPr marL="342900" lvl="1" indent="0">
               <a:lnSpc>
                 <a:spcPct val="150000"/>
               </a:lnSpc>
+              <a:buNone/>
             </a:pPr>
-            <a:r>
-              <a:rPr kumimoji="1" lang="ko-KR" altLang="en-US" sz="2000" dirty="0"/>
+            <a:endParaRPr kumimoji="1" lang="en-US" altLang="ko-KR" sz="2200" dirty="0"/>
+          </a:p>
+          <a:p>
+            <a:pPr marL="342900" lvl="1" indent="0">
+              <a:lnSpc>
+                <a:spcPct val="150000"/>
+              </a:lnSpc>
+              <a:buNone/>
+            </a:pPr>
+            <a:r>
+              <a:rPr kumimoji="1" lang="en-US" altLang="ko-KR" dirty="0"/>
+              <a:t>	</a:t>
+            </a:r>
+            <a:r>
+              <a:rPr kumimoji="1" lang="ko-KR" altLang="en-US" dirty="0"/>
               <a:t>상관분석을 통해 </a:t>
             </a:r>
             <a:r>
-              <a:rPr lang="ko-KR" altLang="en-US" sz="2000" dirty="0"/>
-              <a:t>두 요인이 서로 상관이 있는지에 대해서 검정</a:t>
-            </a:r>
-            <a:endParaRPr lang="en-US" altLang="ko-KR" sz="2000" dirty="0"/>
+              <a:rPr lang="ko-KR" altLang="en-US" dirty="0"/>
+              <a:t>두 </a:t>
+            </a:r>
+            <a:r>
+              <a:rPr lang="ko-KR" altLang="en-US" dirty="0" err="1"/>
+              <a:t>피쳐</a:t>
+            </a:r>
+            <a:r>
+              <a:rPr lang="ko-KR" altLang="en-US" dirty="0"/>
+              <a:t> </a:t>
+            </a:r>
+            <a:r>
+              <a:rPr lang="en-US" altLang="ko-KR" dirty="0"/>
+              <a:t>(feature)</a:t>
+            </a:r>
+            <a:r>
+              <a:rPr lang="ko-KR" altLang="en-US" dirty="0"/>
+              <a:t> 가 </a:t>
+            </a:r>
+            <a:r>
+              <a:rPr lang="en-US" altLang="ko-KR" dirty="0"/>
+              <a:t>	</a:t>
+            </a:r>
+            <a:r>
+              <a:rPr lang="ko-KR" altLang="en-US" dirty="0"/>
+              <a:t>서로 상관이 있는지에 대해서 검정</a:t>
+            </a:r>
+            <a:endParaRPr lang="en-US" altLang="ko-KR" dirty="0"/>
           </a:p>
           <a:p>
             <a:pPr lvl="1">
@@ -18667,21 +19206,6 @@
               </a:lnSpc>
             </a:pPr>
             <a:endParaRPr lang="en-US" altLang="ko-KR" sz="2000" dirty="0"/>
-          </a:p>
-          <a:p>
-            <a:pPr lvl="1">
-              <a:lnSpc>
-                <a:spcPct val="150000"/>
-              </a:lnSpc>
-            </a:pPr>
-            <a:r>
-              <a:rPr lang="ko-KR" altLang="en-US" sz="2000" dirty="0"/>
-              <a:t>당뇨병 환자들은 피부 두께에 따라 인슐린양이 달라지며 체형이 마른 환자에게도 피부 두께가 두꺼울 가능성이 있다</a:t>
-            </a:r>
-            <a:r>
-              <a:rPr lang="en-US" altLang="ko-KR" sz="2000" dirty="0"/>
-              <a:t>.</a:t>
-            </a:r>
           </a:p>
         </p:txBody>
       </p:sp>
@@ -18759,8 +19283,8 @@
         </p:nvSpPr>
         <p:spPr>
           <a:xfrm>
-            <a:off x="4572000" y="6025570"/>
-            <a:ext cx="4083309" cy="276999"/>
+            <a:off x="4683968" y="6425234"/>
+            <a:ext cx="4083309" cy="307777"/>
           </a:xfrm>
           <a:prstGeom prst="rect">
             <a:avLst/>
@@ -18774,18 +19298,67 @@
           <a:lstStyle/>
           <a:p>
             <a:r>
-              <a:rPr kumimoji="1" lang="ko-KR" altLang="en-US" sz="1200" dirty="0"/>
+              <a:rPr kumimoji="1" lang="ko-KR" altLang="en-US" sz="1400" dirty="0"/>
               <a:t>그림 </a:t>
             </a:r>
             <a:r>
-              <a:rPr kumimoji="1" lang="en-US" altLang="ko-KR" sz="1200" dirty="0"/>
+              <a:rPr kumimoji="1" lang="en-US" altLang="ko-KR" sz="1400" dirty="0"/>
               <a:t>2. </a:t>
             </a:r>
             <a:r>
-              <a:rPr kumimoji="1" lang="ko-KR" altLang="en-US" sz="1200" dirty="0"/>
-              <a:t> 당뇨병환자에 대한 상관분석 결과</a:t>
-            </a:r>
-            <a:endParaRPr kumimoji="1" lang="ja-JP" altLang="en-US" sz="1200" dirty="0"/>
+              <a:rPr kumimoji="1" lang="ko-KR" altLang="en-US" sz="1400" dirty="0"/>
+              <a:t> 당뇨병 환자에 대한 상관분석 결과</a:t>
+            </a:r>
+            <a:endParaRPr kumimoji="1" lang="ja-JP" altLang="en-US" sz="1400" dirty="0"/>
+          </a:p>
+        </p:txBody>
+      </p:sp>
+      <p:sp>
+        <p:nvSpPr>
+          <p:cNvPr id="8" name="TextBox 7">
+            <a:extLst>
+              <a:ext uri="{FF2B5EF4-FFF2-40B4-BE49-F238E27FC236}">
+                <a16:creationId xmlns:a16="http://schemas.microsoft.com/office/drawing/2014/main" id="{CEE9A80B-6D01-4603-A739-D54517C78DAE}"/>
+              </a:ext>
+            </a:extLst>
+          </p:cNvPr>
+          <p:cNvSpPr txBox="1"/>
+          <p:nvPr/>
+        </p:nvSpPr>
+        <p:spPr>
+          <a:xfrm>
+            <a:off x="82826" y="2496008"/>
+            <a:ext cx="4195277" cy="2215991"/>
+          </a:xfrm>
+          <a:prstGeom prst="rect">
+            <a:avLst/>
+          </a:prstGeom>
+          <a:noFill/>
+        </p:spPr>
+        <p:txBody>
+          <a:bodyPr wrap="square" rtlCol="0">
+            <a:spAutoFit/>
+          </a:bodyPr>
+          <a:lstStyle/>
+          <a:p>
+            <a:pPr marL="342900" indent="-342900">
+              <a:lnSpc>
+                <a:spcPct val="150000"/>
+              </a:lnSpc>
+              <a:buFont typeface="Wingdings" panose="05000000000000000000" pitchFamily="2" charset="2"/>
+              <a:buChar char="Ø"/>
+            </a:pPr>
+            <a:r>
+              <a:rPr lang="ko-KR" altLang="en-US" sz="2000" dirty="0"/>
+              <a:t>당뇨병 환자들은 피부 두께에 따라 인슐린양이 달라지며 체형이 마른 환자에게도 피부 두께가 두꺼울 가능성이 있다</a:t>
+            </a:r>
+            <a:r>
+              <a:rPr lang="en-US" altLang="ko-KR" sz="2000" dirty="0"/>
+              <a:t>.</a:t>
+            </a:r>
+          </a:p>
+          <a:p>
+            <a:endParaRPr kumimoji="1" lang="ja-JP" altLang="en-US" dirty="0"/>
           </a:p>
         </p:txBody>
       </p:sp>
@@ -18852,21 +19425,7 @@
                 <a:latin typeface="+mn-ea"/>
                 <a:ea typeface="+mn-ea"/>
               </a:rPr>
-              <a:t>그래피컬</a:t>
-            </a:r>
-            <a:r>
-              <a:rPr lang="ko-KR" altLang="en-US" sz="3600" b="1" dirty="0">
-                <a:latin typeface="+mn-ea"/>
-                <a:ea typeface="+mn-ea"/>
-              </a:rPr>
-              <a:t> </a:t>
-            </a:r>
-            <a:r>
-              <a:rPr lang="ko-KR" altLang="en-US" sz="3600" b="1" dirty="0" err="1">
-                <a:latin typeface="+mn-ea"/>
-                <a:ea typeface="+mn-ea"/>
-              </a:rPr>
-              <a:t>라소</a:t>
+              <a:t>그래피컬라소</a:t>
             </a:r>
             <a:r>
               <a:rPr lang="ja-JP" altLang="en-US" sz="3600" b="1" dirty="0">
@@ -18958,7 +19517,15 @@
             </a:pPr>
             <a:r>
               <a:rPr lang="ko-KR" altLang="en-US" dirty="0"/>
-              <a:t>당뇨병 환자와 정상인 사이의 요인간의 상관 관계를 파악하기 위해 시각화 함</a:t>
+              <a:t>당뇨병 환자와 정상인 사이의 </a:t>
+            </a:r>
+            <a:r>
+              <a:rPr lang="ko-KR" altLang="en-US" dirty="0" err="1"/>
+              <a:t>피쳐</a:t>
+            </a:r>
+            <a:r>
+              <a:rPr lang="ko-KR" altLang="en-US" dirty="0"/>
+              <a:t> 간의 상관관계를 파악하기 위해 시각화 함</a:t>
             </a:r>
             <a:endParaRPr lang="en-US" altLang="ko-KR" dirty="0"/>
           </a:p>
@@ -18986,7 +19553,15 @@
             </a:pPr>
             <a:r>
               <a:rPr lang="ko-KR" altLang="en-US" dirty="0"/>
-              <a:t>두 요인간의 상관 관계를  당뇨병 환자와 정상인간의 비교가 가능</a:t>
+              <a:t>두 </a:t>
+            </a:r>
+            <a:r>
+              <a:rPr lang="ko-KR" altLang="en-US" dirty="0" err="1"/>
+              <a:t>피쳐</a:t>
+            </a:r>
+            <a:r>
+              <a:rPr lang="ko-KR" altLang="en-US" dirty="0"/>
+              <a:t> 간의 상관 관계를  당뇨병 환자와 정상인 간의 비교가 가능</a:t>
             </a:r>
             <a:endParaRPr lang="en-US" altLang="ko-KR" dirty="0"/>
           </a:p>
@@ -18998,7 +19573,15 @@
             </a:pPr>
             <a:r>
               <a:rPr lang="ko-KR" altLang="en-US" dirty="0"/>
-              <a:t>정상인에서 당뇨병환자에 있어서 요인간의 변화를 수치화 함</a:t>
+              <a:t>정상인에서 당뇨병 환자에 있어서 </a:t>
+            </a:r>
+            <a:r>
+              <a:rPr lang="ko-KR" altLang="en-US" dirty="0" err="1"/>
+              <a:t>피쳐</a:t>
+            </a:r>
+            <a:r>
+              <a:rPr lang="ko-KR" altLang="en-US" dirty="0"/>
+              <a:t> 간의 변화를 수치화 함</a:t>
             </a:r>
             <a:endParaRPr lang="en-US" altLang="ko-KR" dirty="0"/>
           </a:p>
@@ -19075,19 +19658,7 @@
               <a:rPr lang="ko-KR" altLang="en-US" sz="3000" b="1" dirty="0" err="1">
                 <a:latin typeface="+mn-lt"/>
               </a:rPr>
-              <a:t>그래피컬</a:t>
-            </a:r>
-            <a:r>
-              <a:rPr lang="ko-KR" altLang="en-US" sz="3000" b="1" dirty="0">
-                <a:latin typeface="+mn-lt"/>
-              </a:rPr>
-              <a:t> </a:t>
-            </a:r>
-            <a:r>
-              <a:rPr lang="ko-KR" altLang="en-US" sz="3000" b="1" dirty="0" err="1">
-                <a:latin typeface="+mn-lt"/>
-              </a:rPr>
-              <a:t>라소</a:t>
+              <a:t>그래피컬라소</a:t>
             </a:r>
             <a:endParaRPr kumimoji="1" lang="ja-JP" altLang="en-US" sz="3000" b="1" dirty="0">
               <a:latin typeface="+mn-lt"/>
@@ -19595,8 +20166,8 @@
         </p:nvSpPr>
         <p:spPr>
           <a:xfrm>
-            <a:off x="179031" y="933420"/>
-            <a:ext cx="6923315" cy="707886"/>
+            <a:off x="188363" y="759199"/>
+            <a:ext cx="6697630" cy="707886"/>
           </a:xfrm>
           <a:prstGeom prst="rect">
             <a:avLst/>
@@ -19623,7 +20194,7 @@
             </a:r>
             <a:r>
               <a:rPr kumimoji="1" lang="en-US" altLang="ko-KR" sz="2000" dirty="0"/>
-              <a:t>Age</a:t>
+              <a:t>Age </a:t>
             </a:r>
             <a:r>
               <a:rPr kumimoji="1" lang="ko-KR" altLang="en-US" sz="2000" dirty="0"/>
@@ -19635,20 +20206,9 @@
             </a:r>
             <a:r>
               <a:rPr kumimoji="1" lang="ko-KR" altLang="en-US" sz="2000" dirty="0"/>
-              <a:t>변화도도 높은</a:t>
+              <a:t>변화도도 가장 크다</a:t>
             </a:r>
             <a:endParaRPr kumimoji="1" lang="en-US" altLang="ko-KR" sz="2000" dirty="0"/>
-          </a:p>
-          <a:p>
-            <a:r>
-              <a:rPr kumimoji="1" lang="en-US" altLang="ja-JP" sz="2000" dirty="0"/>
-              <a:t>    </a:t>
-            </a:r>
-            <a:r>
-              <a:rPr kumimoji="1" lang="ko-KR" altLang="en-US" sz="2000" dirty="0"/>
-              <a:t>결과로 나왔다</a:t>
-            </a:r>
-            <a:endParaRPr kumimoji="1" lang="en-US" altLang="ja-JP" sz="2000" dirty="0"/>
           </a:p>
         </p:txBody>
       </p:sp>
@@ -19748,8 +20308,8 @@
           </a:p>
         </p:txBody>
       </p:sp>
-      <mc:AlternateContent xmlns:mc="http://schemas.openxmlformats.org/markup-compatibility/2006" xmlns:a14="http://schemas.microsoft.com/office/drawing/2010/main">
-        <mc:Choice Requires="a14">
+      <mc:AlternateContent xmlns:mc="http://schemas.openxmlformats.org/markup-compatibility/2006">
+        <mc:Choice xmlns:a14="http://schemas.microsoft.com/office/drawing/2010/main" Requires="a14">
           <p:sp>
             <p:nvSpPr>
               <p:cNvPr id="8" name="テキスト ボックス 7">
@@ -19764,8 +20324,8 @@
             </p:nvSpPr>
             <p:spPr>
               <a:xfrm>
-                <a:off x="1647145" y="6109246"/>
-                <a:ext cx="6288833" cy="369332"/>
+                <a:off x="1591161" y="6159137"/>
+                <a:ext cx="6288833" cy="307777"/>
               </a:xfrm>
               <a:prstGeom prst="rect">
                 <a:avLst/>
@@ -19780,47 +20340,39 @@
               <a:p>
                 <a:pPr algn="ctr"/>
                 <a:r>
-                  <a:rPr kumimoji="1" lang="ko-KR" altLang="en-US" dirty="0"/>
+                  <a:rPr kumimoji="1" lang="ko-KR" altLang="en-US" sz="1400" dirty="0"/>
                   <a:t>그림 </a:t>
                 </a:r>
                 <a:r>
-                  <a:rPr kumimoji="1" lang="en-US" altLang="ja-JP" dirty="0"/>
-                  <a:t>6</a:t>
+                  <a:rPr kumimoji="1" lang="en-US" altLang="ko-KR" sz="1400" dirty="0"/>
+                  <a:t>3.</a:t>
                 </a:r>
                 <a:r>
-                  <a:rPr kumimoji="1" lang="ja-JP" altLang="en-US" dirty="0"/>
+                  <a:rPr kumimoji="1" lang="ja-JP" altLang="en-US" sz="1400" dirty="0"/>
                   <a:t>　</a:t>
                 </a:r>
                 <a:r>
-                  <a:rPr kumimoji="1" lang="ko-KR" altLang="en-US" dirty="0" err="1"/>
-                  <a:t>그래피컬</a:t>
+                  <a:rPr kumimoji="1" lang="ko-KR" altLang="en-US" sz="1400" dirty="0" err="1"/>
+                  <a:t>그래피컬라소의</a:t>
                 </a:r>
                 <a:r>
-                  <a:rPr kumimoji="1" lang="ko-KR" altLang="en-US" dirty="0"/>
-                  <a:t> </a:t>
-                </a:r>
-                <a:r>
-                  <a:rPr kumimoji="1" lang="ko-KR" altLang="en-US" dirty="0" err="1"/>
-                  <a:t>라소의</a:t>
-                </a:r>
-                <a:r>
-                  <a:rPr kumimoji="1" lang="ko-KR" altLang="en-US" dirty="0"/>
+                  <a:rPr kumimoji="1" lang="ko-KR" altLang="en-US" sz="1400" dirty="0"/>
                   <a:t> 그래프</a:t>
                 </a:r>
                 <a:r>
-                  <a:rPr kumimoji="1" lang="ja-JP" altLang="en-US" dirty="0"/>
+                  <a:rPr kumimoji="1" lang="ja-JP" altLang="en-US" sz="1400" dirty="0"/>
                   <a:t>（</a:t>
                 </a:r>
                 <a14:m>
                   <m:oMath xmlns:m="http://schemas.openxmlformats.org/officeDocument/2006/math">
                     <m:r>
-                      <a:rPr kumimoji="1" lang="ja-JP" altLang="en-US" i="1" smtClean="0">
+                      <a:rPr kumimoji="1" lang="ja-JP" altLang="en-US" sz="1400" i="1" smtClean="0">
                         <a:latin typeface="Cambria Math" panose="02040503050406030204" pitchFamily="18" charset="0"/>
                       </a:rPr>
                       <m:t>𝜌</m:t>
                     </m:r>
                     <m:r>
-                      <a:rPr kumimoji="1" lang="en-US" altLang="ja-JP" b="0" i="1" smtClean="0">
+                      <a:rPr kumimoji="1" lang="en-US" altLang="ja-JP" sz="1400" b="0" i="1" smtClean="0">
                         <a:latin typeface="Cambria Math" panose="02040503050406030204" pitchFamily="18" charset="0"/>
                       </a:rPr>
                       <m:t>=0.2</m:t>
@@ -19828,14 +20380,14 @@
                   </m:oMath>
                 </a14:m>
                 <a:r>
-                  <a:rPr kumimoji="1" lang="ja-JP" altLang="en-US" dirty="0"/>
+                  <a:rPr kumimoji="1" lang="ja-JP" altLang="en-US" sz="1400" dirty="0"/>
                   <a:t>）</a:t>
                 </a:r>
               </a:p>
             </p:txBody>
           </p:sp>
         </mc:Choice>
-        <mc:Fallback xmlns="">
+        <mc:Fallback>
           <p:sp>
             <p:nvSpPr>
               <p:cNvPr id="8" name="テキスト ボックス 7">
@@ -19852,8 +20404,8 @@
             </p:nvSpPr>
             <p:spPr>
               <a:xfrm>
-                <a:off x="1647145" y="6109246"/>
-                <a:ext cx="6288833" cy="369332"/>
+                <a:off x="1591161" y="6159137"/>
+                <a:ext cx="6288833" cy="307777"/>
               </a:xfrm>
               <a:prstGeom prst="rect">
                 <a:avLst/>
@@ -19861,7 +20413,7 @@
               <a:blipFill>
                 <a:blip r:embed="rId5"/>
                 <a:stretch>
-                  <a:fillRect t="-11475" b="-26230"/>
+                  <a:fillRect t="-5882" b="-19608"/>
                 </a:stretch>
               </a:blipFill>
             </p:spPr>
@@ -19895,7 +20447,7 @@
         <p:spPr>
           <a:xfrm>
             <a:off x="-58535" y="6550223"/>
-            <a:ext cx="5478782" cy="307777"/>
+            <a:ext cx="5478782" cy="276999"/>
           </a:xfrm>
           <a:prstGeom prst="rect">
             <a:avLst/>
@@ -19909,20 +20461,20 @@
           <a:lstStyle/>
           <a:p>
             <a:r>
-              <a:rPr kumimoji="1" lang="en-US" altLang="ja-JP" sz="1400" dirty="0">
+              <a:rPr kumimoji="1" lang="en-US" altLang="ja-JP" sz="1200" dirty="0">
                 <a:latin typeface="Yu Gothic" panose="020B0400000000000000" pitchFamily="50" charset="-128"/>
                 <a:ea typeface="Yu Gothic" panose="020B0400000000000000" pitchFamily="50" charset="-128"/>
               </a:rPr>
               <a:t>※MATLAB R2019a</a:t>
             </a:r>
             <a:r>
-              <a:rPr kumimoji="1" lang="ko-KR" altLang="en-US" sz="1400" dirty="0">
+              <a:rPr kumimoji="1" lang="ko-KR" altLang="en-US" sz="1200" dirty="0">
                 <a:latin typeface="Yu Gothic" panose="020B0400000000000000" pitchFamily="50" charset="-128"/>
                 <a:ea typeface="Yu Gothic" panose="020B0400000000000000" pitchFamily="50" charset="-128"/>
               </a:rPr>
               <a:t>를 이용해서 실행함</a:t>
             </a:r>
-            <a:endParaRPr kumimoji="1" lang="ja-JP" altLang="en-US" sz="1400" dirty="0"/>
+            <a:endParaRPr kumimoji="1" lang="ja-JP" altLang="en-US" sz="1200" dirty="0"/>
           </a:p>
         </p:txBody>
       </p:sp>
